--- a/Slide01.pptx
+++ b/Slide01.pptx
@@ -6,6 +6,41 @@
   </p:sldMasterIdLst>
   <p:sldIdLst>
     <p:sldId id="256" r:id="rId2"/>
+    <p:sldId id="257" r:id="rId3"/>
+    <p:sldId id="258" r:id="rId4"/>
+    <p:sldId id="259" r:id="rId5"/>
+    <p:sldId id="260" r:id="rId6"/>
+    <p:sldId id="261" r:id="rId7"/>
+    <p:sldId id="262" r:id="rId8"/>
+    <p:sldId id="263" r:id="rId9"/>
+    <p:sldId id="264" r:id="rId10"/>
+    <p:sldId id="265" r:id="rId11"/>
+    <p:sldId id="266" r:id="rId12"/>
+    <p:sldId id="267" r:id="rId13"/>
+    <p:sldId id="268" r:id="rId14"/>
+    <p:sldId id="269" r:id="rId15"/>
+    <p:sldId id="270" r:id="rId16"/>
+    <p:sldId id="271" r:id="rId17"/>
+    <p:sldId id="272" r:id="rId18"/>
+    <p:sldId id="273" r:id="rId19"/>
+    <p:sldId id="274" r:id="rId20"/>
+    <p:sldId id="275" r:id="rId21"/>
+    <p:sldId id="276" r:id="rId22"/>
+    <p:sldId id="277" r:id="rId23"/>
+    <p:sldId id="278" r:id="rId24"/>
+    <p:sldId id="279" r:id="rId25"/>
+    <p:sldId id="280" r:id="rId26"/>
+    <p:sldId id="281" r:id="rId27"/>
+    <p:sldId id="282" r:id="rId28"/>
+    <p:sldId id="283" r:id="rId29"/>
+    <p:sldId id="284" r:id="rId30"/>
+    <p:sldId id="285" r:id="rId31"/>
+    <p:sldId id="286" r:id="rId32"/>
+    <p:sldId id="287" r:id="rId33"/>
+    <p:sldId id="288" r:id="rId34"/>
+    <p:sldId id="289" r:id="rId35"/>
+    <p:sldId id="290" r:id="rId36"/>
+    <p:sldId id="291" r:id="rId37"/>
   </p:sldIdLst>
   <p:sldSz cx="9144000" cy="5143500" type="screen16x9"/>
   <p:notesSz cx="6858000" cy="9144000"/>
@@ -3115,7 +3150,7 @@
             </a:pPr>
             <a:r>
               <a:rPr/>
-              <a:t>労働経済学2</a:t>
+              <a:t>序論</a:t>
             </a:r>
           </a:p>
         </p:txBody>
@@ -3145,13 +3180,3352 @@
             </a:pPr>
             <a:r>
               <a:rPr/>
-              <a:t>序論</a:t>
+              <a:t>労働経済学2</a:t>
             </a:r>
             <a:br/>
             <a:br/>
             <a:r>
               <a:rPr/>
               <a:t>川田恵介</a:t>
+            </a:r>
+          </a:p>
+        </p:txBody>
+      </p:sp>
+    </p:spTree>
+  </p:cSld>
+</p:sld>
+</file>
+
+<file path=ppt/slides/slide10.xml><?xml version="1.0" encoding="utf-8"?>
+<p:sld xmlns:a="http://schemas.openxmlformats.org/drawingml/2006/main" xmlns:r="http://schemas.openxmlformats.org/officeDocument/2006/relationships" xmlns:p="http://schemas.openxmlformats.org/presentationml/2006/main">
+  <p:cSld>
+    <p:spTree>
+      <p:nvGrpSpPr>
+        <p:cNvPr id="1" name=""/>
+        <p:cNvGrpSpPr/>
+        <p:nvPr/>
+      </p:nvGrpSpPr>
+      <p:grpSpPr>
+        <a:xfrm>
+          <a:off x="0" y="0"/>
+          <a:ext cx="0" cy="0"/>
+          <a:chOff x="0" y="0"/>
+          <a:chExt cx="0" cy="0"/>
+        </a:xfrm>
+      </p:grpSpPr>
+      <p:sp>
+        <p:nvSpPr>
+          <p:cNvPr id="2" name="Title 1"/>
+          <p:cNvSpPr>
+            <a:spLocks noGrp="1"/>
+          </p:cNvSpPr>
+          <p:nvPr>
+            <p:ph type="title"/>
+          </p:nvPr>
+        </p:nvSpPr>
+        <p:spPr/>
+        <p:txBody>
+          <a:bodyPr/>
+          <a:lstStyle/>
+          <a:p>
+            <a:pPr lvl="0" indent="0" marL="0">
+              <a:buNone/>
+            </a:pPr>
+            <a:r>
+              <a:rPr/>
+              <a:t>労働力調査</a:t>
+            </a:r>
+          </a:p>
+        </p:txBody>
+      </p:sp>
+      <p:sp>
+        <p:nvSpPr>
+          <p:cNvPr id="3" name="Content Placeholder 2"/>
+          <p:cNvSpPr>
+            <a:spLocks noGrp="1"/>
+          </p:cNvSpPr>
+          <p:nvPr>
+            <p:ph idx="1"/>
+          </p:nvPr>
+        </p:nvSpPr>
+        <p:spPr/>
+        <p:txBody>
+          <a:bodyPr/>
+          <a:lstStyle/>
+          <a:p>
+            <a:pPr lvl="0"/>
+            <a:r>
+              <a:rPr/>
+              <a:t>毎月末に行われる家計調査</a:t>
+            </a:r>
+          </a:p>
+          <a:p>
+            <a:pPr lvl="0"/>
+            <a:r>
+              <a:rPr/>
+              <a:t>労働状態を捉える上での最も基本となる調査の一つ</a:t>
+            </a:r>
+          </a:p>
+          <a:p>
+            <a:pPr lvl="1"/>
+            <a:r>
+              <a:rPr>
+                <a:hlinkClick r:id="rId2"/>
+              </a:rPr>
+              <a:t>詳細</a:t>
+            </a:r>
+          </a:p>
+        </p:txBody>
+      </p:sp>
+    </p:spTree>
+  </p:cSld>
+</p:sld>
+</file>
+
+<file path=ppt/slides/slide11.xml><?xml version="1.0" encoding="utf-8"?>
+<p:sld xmlns:a="http://schemas.openxmlformats.org/drawingml/2006/main" xmlns:r="http://schemas.openxmlformats.org/officeDocument/2006/relationships" xmlns:p="http://schemas.openxmlformats.org/presentationml/2006/main">
+  <p:cSld>
+    <p:spTree>
+      <p:nvGrpSpPr>
+        <p:cNvPr id="1" name=""/>
+        <p:cNvGrpSpPr/>
+        <p:nvPr/>
+      </p:nvGrpSpPr>
+      <p:grpSpPr>
+        <a:xfrm>
+          <a:off x="0" y="0"/>
+          <a:ext cx="0" cy="0"/>
+          <a:chOff x="0" y="0"/>
+          <a:chExt cx="0" cy="0"/>
+        </a:xfrm>
+      </p:grpSpPr>
+      <p:sp>
+        <p:nvSpPr>
+          <p:cNvPr id="2" name="Title 1"/>
+          <p:cNvSpPr>
+            <a:spLocks noGrp="1"/>
+          </p:cNvSpPr>
+          <p:nvPr>
+            <p:ph type="title"/>
+          </p:nvPr>
+        </p:nvSpPr>
+        <p:spPr/>
+        <p:txBody>
+          <a:bodyPr/>
+          <a:lstStyle/>
+          <a:p>
+            <a:pPr lvl="0" indent="0" marL="0">
+              <a:buNone/>
+            </a:pPr>
+            <a:r>
+              <a:rPr/>
+              <a:t>定義</a:t>
+            </a:r>
+          </a:p>
+        </p:txBody>
+      </p:sp>
+      <p:pic>
+        <p:nvPicPr>
+          <p:cNvPr descr="Slide01_files/figure-pptx/DefineLabor-1.png" id="0" name="Picture 1"/>
+          <p:cNvPicPr>
+            <a:picLocks noGrp="1" noChangeAspect="1"/>
+          </p:cNvPicPr>
+          <p:nvPr/>
+        </p:nvPicPr>
+        <p:blipFill>
+          <a:blip r:embed="rId2"/>
+          <a:stretch>
+            <a:fillRect/>
+          </a:stretch>
+        </p:blipFill>
+        <p:spPr bwMode="auto">
+          <a:xfrm>
+            <a:off x="1485900" y="1193800"/>
+            <a:ext cx="6172200" cy="3390900"/>
+          </a:xfrm>
+          <a:prstGeom prst="rect">
+            <a:avLst/>
+          </a:prstGeom>
+          <a:noFill/>
+          <a:ln w="9525">
+            <a:noFill/>
+            <a:headEnd/>
+            <a:tailEnd/>
+          </a:ln>
+        </p:spPr>
+      </p:pic>
+    </p:spTree>
+  </p:cSld>
+</p:sld>
+</file>
+
+<file path=ppt/slides/slide12.xml><?xml version="1.0" encoding="utf-8"?>
+<p:sld xmlns:a="http://schemas.openxmlformats.org/drawingml/2006/main" xmlns:r="http://schemas.openxmlformats.org/officeDocument/2006/relationships" xmlns:p="http://schemas.openxmlformats.org/presentationml/2006/main">
+  <p:cSld>
+    <p:spTree>
+      <p:nvGrpSpPr>
+        <p:cNvPr id="1" name=""/>
+        <p:cNvGrpSpPr/>
+        <p:nvPr/>
+      </p:nvGrpSpPr>
+      <p:grpSpPr>
+        <a:xfrm>
+          <a:off x="0" y="0"/>
+          <a:ext cx="0" cy="0"/>
+          <a:chOff x="0" y="0"/>
+          <a:chExt cx="0" cy="0"/>
+        </a:xfrm>
+      </p:grpSpPr>
+      <p:sp>
+        <p:nvSpPr>
+          <p:cNvPr id="2" name="Title 1"/>
+          <p:cNvSpPr>
+            <a:spLocks noGrp="1"/>
+          </p:cNvSpPr>
+          <p:nvPr>
+            <p:ph type="title"/>
+          </p:nvPr>
+        </p:nvSpPr>
+        <p:spPr/>
+        <p:txBody>
+          <a:bodyPr/>
+          <a:lstStyle/>
+          <a:p>
+            <a:pPr lvl="0" indent="0" marL="0">
+              <a:buNone/>
+            </a:pPr>
+            <a:r>
+              <a:rPr/>
+              <a:t>定義</a:t>
+            </a:r>
+          </a:p>
+        </p:txBody>
+      </p:sp>
+      <p:sp>
+        <p:nvSpPr>
+          <p:cNvPr id="3" name="Content Placeholder 2"/>
+          <p:cNvSpPr>
+            <a:spLocks noGrp="1"/>
+          </p:cNvSpPr>
+          <p:nvPr>
+            <p:ph idx="1"/>
+          </p:nvPr>
+        </p:nvSpPr>
+        <p:spPr/>
+        <p:txBody>
+          <a:bodyPr/>
+          <a:lstStyle/>
+          <a:p>
+            <a:pPr lvl="0"/>
+            <a:r>
+              <a:rPr/>
+              <a:t>就業者: 「従業者」と「休業者」を合わせたもの</a:t>
+            </a:r>
+          </a:p>
+          <a:p>
+            <a:pPr lvl="1"/>
+            <a:r>
+              <a:rPr/>
+              <a:t>従業者: 調査週間中に収入を伴う仕事を1時間以上した者</a:t>
+            </a:r>
+          </a:p>
+          <a:p>
+            <a:pPr lvl="1"/>
+            <a:r>
+              <a:rPr/>
+              <a:t>休業者: 仕事を持ちながら，調査週間中に少しも仕事をしなかった者のうち，自営業主・雇用主・非雇用者</a:t>
+            </a:r>
+          </a:p>
+          <a:p>
+            <a:pPr lvl="0"/>
+            <a:r>
+              <a:rPr/>
+              <a:t>完全失業者: 次の3つの条件を満たす者</a:t>
+            </a:r>
+          </a:p>
+          <a:p>
+            <a:pPr lvl="1"/>
+            <a:r>
+              <a:rPr/>
+              <a:t>調査週間中、就業者ではない</a:t>
+            </a:r>
+          </a:p>
+          <a:p>
+            <a:pPr lvl="1"/>
+            <a:r>
+              <a:rPr/>
+              <a:t>仕事があればすぐ就くことができる</a:t>
+            </a:r>
+          </a:p>
+          <a:p>
+            <a:pPr lvl="1"/>
+            <a:r>
+              <a:rPr/>
+              <a:t>調査週間中，仕事を探す活動や事業を始める準備をした</a:t>
+            </a:r>
+          </a:p>
+          <a:p>
+            <a:pPr lvl="0"/>
+            <a:r>
+              <a:rPr/>
+              <a:t>非労働力: 15才以上で就業者・完全失業者ではないもの</a:t>
+            </a:r>
+          </a:p>
+        </p:txBody>
+      </p:sp>
+    </p:spTree>
+  </p:cSld>
+</p:sld>
+</file>
+
+<file path=ppt/slides/slide13.xml><?xml version="1.0" encoding="utf-8"?>
+<p:sld xmlns:a="http://schemas.openxmlformats.org/drawingml/2006/main" xmlns:r="http://schemas.openxmlformats.org/officeDocument/2006/relationships" xmlns:p="http://schemas.openxmlformats.org/presentationml/2006/main">
+  <p:cSld>
+    <p:spTree>
+      <p:nvGrpSpPr>
+        <p:cNvPr id="1" name=""/>
+        <p:cNvGrpSpPr/>
+        <p:nvPr/>
+      </p:nvGrpSpPr>
+      <p:grpSpPr>
+        <a:xfrm>
+          <a:off x="0" y="0"/>
+          <a:ext cx="0" cy="0"/>
+          <a:chOff x="0" y="0"/>
+          <a:chExt cx="0" cy="0"/>
+        </a:xfrm>
+      </p:grpSpPr>
+      <p:sp>
+        <p:nvSpPr>
+          <p:cNvPr id="2" name="Title 1"/>
+          <p:cNvSpPr>
+            <a:spLocks noGrp="1"/>
+          </p:cNvSpPr>
+          <p:nvPr>
+            <p:ph type="title"/>
+          </p:nvPr>
+        </p:nvSpPr>
+        <p:spPr/>
+        <p:txBody>
+          <a:bodyPr/>
+          <a:lstStyle/>
+          <a:p>
+            <a:pPr lvl="0" indent="0" marL="0">
+              <a:buNone/>
+            </a:pPr>
+            <a:r>
+              <a:rPr/>
+              <a:t>Quiz: どこに分類される？</a:t>
+            </a:r>
+          </a:p>
+        </p:txBody>
+      </p:sp>
+      <p:sp>
+        <p:nvSpPr>
+          <p:cNvPr id="3" name="Content Placeholder 2"/>
+          <p:cNvSpPr>
+            <a:spLocks noGrp="1"/>
+          </p:cNvSpPr>
+          <p:nvPr>
+            <p:ph idx="1"/>
+          </p:nvPr>
+        </p:nvSpPr>
+        <p:spPr/>
+        <p:txBody>
+          <a:bodyPr/>
+          <a:lstStyle/>
+          <a:p>
+            <a:pPr lvl="0"/>
+            <a:r>
+              <a:rPr/>
+              <a:t>働きたいが、</a:t>
+            </a:r>
+          </a:p>
+          <a:p>
+            <a:pPr lvl="1"/>
+            <a:r>
+              <a:rPr/>
+              <a:t>「介護に忙殺され、何も就職活動ができていない」</a:t>
+            </a:r>
+          </a:p>
+          <a:p>
+            <a:pPr lvl="1"/>
+            <a:r>
+              <a:rPr/>
+              <a:t>「バイト先が暇で、二週間シフトが入らない」</a:t>
+            </a:r>
+          </a:p>
+          <a:p>
+            <a:pPr lvl="1"/>
+            <a:r>
+              <a:rPr/>
+              <a:t>「子供が生まれ育児休暇を取得した」</a:t>
+            </a:r>
+          </a:p>
+          <a:p>
+            <a:pPr lvl="0"/>
+            <a:r>
+              <a:rPr/>
+              <a:t>現実の回答では、測定誤差（誤回答）も存在する</a:t>
+            </a:r>
+          </a:p>
+        </p:txBody>
+      </p:sp>
+    </p:spTree>
+  </p:cSld>
+</p:sld>
+</file>
+
+<file path=ppt/slides/slide14.xml><?xml version="1.0" encoding="utf-8"?>
+<p:sld xmlns:a="http://schemas.openxmlformats.org/drawingml/2006/main" xmlns:r="http://schemas.openxmlformats.org/officeDocument/2006/relationships" xmlns:p="http://schemas.openxmlformats.org/presentationml/2006/main">
+  <p:cSld>
+    <p:spTree>
+      <p:nvGrpSpPr>
+        <p:cNvPr id="1" name=""/>
+        <p:cNvGrpSpPr/>
+        <p:nvPr/>
+      </p:nvGrpSpPr>
+      <p:grpSpPr>
+        <a:xfrm>
+          <a:off x="0" y="0"/>
+          <a:ext cx="0" cy="0"/>
+          <a:chOff x="0" y="0"/>
+          <a:chExt cx="0" cy="0"/>
+        </a:xfrm>
+      </p:grpSpPr>
+      <p:sp>
+        <p:nvSpPr>
+          <p:cNvPr id="2" name="Title 1"/>
+          <p:cNvSpPr>
+            <a:spLocks noGrp="1"/>
+          </p:cNvSpPr>
+          <p:nvPr>
+            <p:ph type="title"/>
+          </p:nvPr>
+        </p:nvSpPr>
+        <p:spPr/>
+        <p:txBody>
+          <a:bodyPr/>
+          <a:lstStyle/>
+          <a:p>
+            <a:pPr lvl="0" indent="0" marL="0">
+              <a:buNone/>
+            </a:pPr>
+            <a:r>
+              <a:rPr/>
+              <a:t>推移</a:t>
+            </a:r>
+          </a:p>
+        </p:txBody>
+      </p:sp>
+      <p:pic>
+        <p:nvPicPr>
+          <p:cNvPr descr="Slide01_files/figure-pptx/AllSeries-1.png" id="0" name="Picture 1"/>
+          <p:cNvPicPr>
+            <a:picLocks noGrp="1" noChangeAspect="1"/>
+          </p:cNvPicPr>
+          <p:nvPr/>
+        </p:nvPicPr>
+        <p:blipFill>
+          <a:blip r:embed="rId2"/>
+          <a:stretch>
+            <a:fillRect/>
+          </a:stretch>
+        </p:blipFill>
+        <p:spPr bwMode="auto">
+          <a:xfrm>
+            <a:off x="1181100" y="1193800"/>
+            <a:ext cx="6781800" cy="3390900"/>
+          </a:xfrm>
+          <a:prstGeom prst="rect">
+            <a:avLst/>
+          </a:prstGeom>
+          <a:noFill/>
+          <a:ln w="9525">
+            <a:noFill/>
+            <a:headEnd/>
+            <a:tailEnd/>
+          </a:ln>
+        </p:spPr>
+      </p:pic>
+    </p:spTree>
+  </p:cSld>
+</p:sld>
+</file>
+
+<file path=ppt/slides/slide15.xml><?xml version="1.0" encoding="utf-8"?>
+<p:sld xmlns:a="http://schemas.openxmlformats.org/drawingml/2006/main" xmlns:r="http://schemas.openxmlformats.org/officeDocument/2006/relationships" xmlns:p="http://schemas.openxmlformats.org/presentationml/2006/main">
+  <p:cSld>
+    <p:spTree>
+      <p:nvGrpSpPr>
+        <p:cNvPr id="1" name=""/>
+        <p:cNvGrpSpPr/>
+        <p:nvPr/>
+      </p:nvGrpSpPr>
+      <p:grpSpPr>
+        <a:xfrm>
+          <a:off x="0" y="0"/>
+          <a:ext cx="0" cy="0"/>
+          <a:chOff x="0" y="0"/>
+          <a:chExt cx="0" cy="0"/>
+        </a:xfrm>
+      </p:grpSpPr>
+      <p:sp>
+        <p:nvSpPr>
+          <p:cNvPr id="2" name="Title 1"/>
+          <p:cNvSpPr>
+            <a:spLocks noGrp="1"/>
+          </p:cNvSpPr>
+          <p:nvPr>
+            <p:ph type="title"/>
+          </p:nvPr>
+        </p:nvSpPr>
+        <p:spPr/>
+        <p:txBody>
+          <a:bodyPr/>
+          <a:lstStyle/>
+          <a:p>
+            <a:pPr lvl="0" indent="0" marL="0">
+              <a:buNone/>
+            </a:pPr>
+            <a:r>
+              <a:rPr/>
+              <a:t>推移</a:t>
+            </a:r>
+          </a:p>
+        </p:txBody>
+      </p:sp>
+      <p:pic>
+        <p:nvPicPr>
+          <p:cNvPr descr="Slide01_files/figure-pptx/AllSeriesAlternative-1.png" id="0" name="Picture 1"/>
+          <p:cNvPicPr>
+            <a:picLocks noGrp="1" noChangeAspect="1"/>
+          </p:cNvPicPr>
+          <p:nvPr/>
+        </p:nvPicPr>
+        <p:blipFill>
+          <a:blip r:embed="rId2"/>
+          <a:stretch>
+            <a:fillRect/>
+          </a:stretch>
+        </p:blipFill>
+        <p:spPr bwMode="auto">
+          <a:xfrm>
+            <a:off x="1181100" y="1193800"/>
+            <a:ext cx="6781800" cy="3390900"/>
+          </a:xfrm>
+          <a:prstGeom prst="rect">
+            <a:avLst/>
+          </a:prstGeom>
+          <a:noFill/>
+          <a:ln w="9525">
+            <a:noFill/>
+            <a:headEnd/>
+            <a:tailEnd/>
+          </a:ln>
+        </p:spPr>
+      </p:pic>
+    </p:spTree>
+  </p:cSld>
+</p:sld>
+</file>
+
+<file path=ppt/slides/slide16.xml><?xml version="1.0" encoding="utf-8"?>
+<p:sld xmlns:a="http://schemas.openxmlformats.org/drawingml/2006/main" xmlns:r="http://schemas.openxmlformats.org/officeDocument/2006/relationships" xmlns:p="http://schemas.openxmlformats.org/presentationml/2006/main">
+  <p:cSld>
+    <p:spTree>
+      <p:nvGrpSpPr>
+        <p:cNvPr id="1" name=""/>
+        <p:cNvGrpSpPr/>
+        <p:nvPr/>
+      </p:nvGrpSpPr>
+      <p:grpSpPr>
+        <a:xfrm>
+          <a:off x="0" y="0"/>
+          <a:ext cx="0" cy="0"/>
+          <a:chOff x="0" y="0"/>
+          <a:chExt cx="0" cy="0"/>
+        </a:xfrm>
+      </p:grpSpPr>
+      <p:sp>
+        <p:nvSpPr>
+          <p:cNvPr id="2" name="Title 1"/>
+          <p:cNvSpPr>
+            <a:spLocks noGrp="1"/>
+          </p:cNvSpPr>
+          <p:nvPr>
+            <p:ph type="title"/>
+          </p:nvPr>
+        </p:nvSpPr>
+        <p:spPr/>
+        <p:txBody>
+          <a:bodyPr/>
+          <a:lstStyle/>
+          <a:p>
+            <a:pPr lvl="0" indent="0" marL="0">
+              <a:buNone/>
+            </a:pPr>
+            <a:r>
+              <a:rPr/>
+              <a:t>推移: 男女別</a:t>
+            </a:r>
+          </a:p>
+        </p:txBody>
+      </p:sp>
+      <p:pic>
+        <p:nvPicPr>
+          <p:cNvPr descr="Slide01_files/figure-pptx/SexSeries-1.png" id="0" name="Picture 1"/>
+          <p:cNvPicPr>
+            <a:picLocks noGrp="1" noChangeAspect="1"/>
+          </p:cNvPicPr>
+          <p:nvPr/>
+        </p:nvPicPr>
+        <p:blipFill>
+          <a:blip r:embed="rId2"/>
+          <a:stretch>
+            <a:fillRect/>
+          </a:stretch>
+        </p:blipFill>
+        <p:spPr bwMode="auto">
+          <a:xfrm>
+            <a:off x="1181100" y="1193800"/>
+            <a:ext cx="6781800" cy="3390900"/>
+          </a:xfrm>
+          <a:prstGeom prst="rect">
+            <a:avLst/>
+          </a:prstGeom>
+          <a:noFill/>
+          <a:ln w="9525">
+            <a:noFill/>
+            <a:headEnd/>
+            <a:tailEnd/>
+          </a:ln>
+        </p:spPr>
+      </p:pic>
+    </p:spTree>
+  </p:cSld>
+</p:sld>
+</file>
+
+<file path=ppt/slides/slide17.xml><?xml version="1.0" encoding="utf-8"?>
+<p:sld xmlns:a="http://schemas.openxmlformats.org/drawingml/2006/main" xmlns:r="http://schemas.openxmlformats.org/officeDocument/2006/relationships" xmlns:p="http://schemas.openxmlformats.org/presentationml/2006/main">
+  <p:cSld>
+    <p:spTree>
+      <p:nvGrpSpPr>
+        <p:cNvPr id="1" name=""/>
+        <p:cNvGrpSpPr/>
+        <p:nvPr/>
+      </p:nvGrpSpPr>
+      <p:grpSpPr>
+        <a:xfrm>
+          <a:off x="0" y="0"/>
+          <a:ext cx="0" cy="0"/>
+          <a:chOff x="0" y="0"/>
+          <a:chExt cx="0" cy="0"/>
+        </a:xfrm>
+      </p:grpSpPr>
+      <p:sp>
+        <p:nvSpPr>
+          <p:cNvPr id="2" name="Title 1"/>
+          <p:cNvSpPr>
+            <a:spLocks noGrp="1"/>
+          </p:cNvSpPr>
+          <p:nvPr>
+            <p:ph type="title"/>
+          </p:nvPr>
+        </p:nvSpPr>
+        <p:spPr/>
+        <p:txBody>
+          <a:bodyPr/>
+          <a:lstStyle/>
+          <a:p>
+            <a:pPr lvl="0" indent="0" marL="0">
+              <a:buNone/>
+            </a:pPr>
+            <a:r>
+              <a:rPr/>
+              <a:t>データ分析の論点: 因果性</a:t>
+            </a:r>
+          </a:p>
+        </p:txBody>
+      </p:sp>
+      <p:sp>
+        <p:nvSpPr>
+          <p:cNvPr id="3" name="Content Placeholder 2"/>
+          <p:cNvSpPr>
+            <a:spLocks noGrp="1"/>
+          </p:cNvSpPr>
+          <p:nvPr>
+            <p:ph idx="1"/>
+          </p:nvPr>
+        </p:nvSpPr>
+        <p:spPr/>
+        <p:txBody>
+          <a:bodyPr/>
+          <a:lstStyle/>
+          <a:p>
+            <a:pPr lvl="0"/>
+            <a:r>
+              <a:rPr/>
+              <a:t>ここ１０年で非労働力の減少と就業者の増加が観察される</a:t>
+            </a:r>
+          </a:p>
+          <a:p>
+            <a:pPr lvl="1"/>
+            <a:r>
+              <a:rPr/>
+              <a:t>ここ数年は頭打ち</a:t>
+            </a:r>
+          </a:p>
+          <a:p>
+            <a:pPr lvl="0"/>
+            <a:r>
+              <a:rPr/>
+              <a:t>非労働力が減少した </a:t>
+            </a:r>
+            <a:r>
+              <a:rPr b="1"/>
+              <a:t>から</a:t>
+            </a:r>
+            <a:r>
+              <a:rPr/>
+              <a:t> 就業者が増えた？ (因果的命題)</a:t>
+            </a:r>
+          </a:p>
+        </p:txBody>
+      </p:sp>
+    </p:spTree>
+  </p:cSld>
+</p:sld>
+</file>
+
+<file path=ppt/slides/slide18.xml><?xml version="1.0" encoding="utf-8"?>
+<p:sld xmlns:a="http://schemas.openxmlformats.org/drawingml/2006/main" xmlns:r="http://schemas.openxmlformats.org/officeDocument/2006/relationships" xmlns:p="http://schemas.openxmlformats.org/presentationml/2006/main">
+  <p:cSld>
+    <p:spTree>
+      <p:nvGrpSpPr>
+        <p:cNvPr id="1" name=""/>
+        <p:cNvGrpSpPr/>
+        <p:nvPr/>
+      </p:nvGrpSpPr>
+      <p:grpSpPr>
+        <a:xfrm>
+          <a:off x="0" y="0"/>
+          <a:ext cx="0" cy="0"/>
+          <a:chOff x="0" y="0"/>
+          <a:chExt cx="0" cy="0"/>
+        </a:xfrm>
+      </p:grpSpPr>
+      <p:sp>
+        <p:nvSpPr>
+          <p:cNvPr id="2" name="Title 1"/>
+          <p:cNvSpPr>
+            <a:spLocks noGrp="1"/>
+          </p:cNvSpPr>
+          <p:nvPr>
+            <p:ph type="title"/>
+          </p:nvPr>
+        </p:nvSpPr>
+        <p:spPr/>
+        <p:txBody>
+          <a:bodyPr/>
+          <a:lstStyle/>
+          <a:p>
+            <a:pPr lvl="0" indent="0" marL="0">
+              <a:buNone/>
+            </a:pPr>
+            <a:r>
+              <a:rPr/>
+              <a:t>データ分析の論点: 因果性</a:t>
+            </a:r>
+          </a:p>
+        </p:txBody>
+      </p:sp>
+      <p:pic>
+        <p:nvPicPr>
+          <p:cNvPr descr="Slide01_files/figure-pptx/CausalRelation-1.png" id="0" name="Picture 1"/>
+          <p:cNvPicPr>
+            <a:picLocks noGrp="1" noChangeAspect="1"/>
+          </p:cNvPicPr>
+          <p:nvPr/>
+        </p:nvPicPr>
+        <p:blipFill>
+          <a:blip r:embed="rId2"/>
+          <a:stretch>
+            <a:fillRect/>
+          </a:stretch>
+        </p:blipFill>
+        <p:spPr bwMode="auto">
+          <a:xfrm>
+            <a:off x="1485900" y="1193800"/>
+            <a:ext cx="6172200" cy="3390900"/>
+          </a:xfrm>
+          <a:prstGeom prst="rect">
+            <a:avLst/>
+          </a:prstGeom>
+          <a:noFill/>
+          <a:ln w="9525">
+            <a:noFill/>
+            <a:headEnd/>
+            <a:tailEnd/>
+          </a:ln>
+        </p:spPr>
+      </p:pic>
+    </p:spTree>
+  </p:cSld>
+</p:sld>
+</file>
+
+<file path=ppt/slides/slide19.xml><?xml version="1.0" encoding="utf-8"?>
+<p:sld xmlns:a="http://schemas.openxmlformats.org/drawingml/2006/main" xmlns:r="http://schemas.openxmlformats.org/officeDocument/2006/relationships" xmlns:p="http://schemas.openxmlformats.org/presentationml/2006/main">
+  <p:cSld>
+    <p:spTree>
+      <p:nvGrpSpPr>
+        <p:cNvPr id="1" name=""/>
+        <p:cNvGrpSpPr/>
+        <p:nvPr/>
+      </p:nvGrpSpPr>
+      <p:grpSpPr>
+        <a:xfrm>
+          <a:off x="0" y="0"/>
+          <a:ext cx="0" cy="0"/>
+          <a:chOff x="0" y="0"/>
+          <a:chExt cx="0" cy="0"/>
+        </a:xfrm>
+      </p:grpSpPr>
+      <p:sp>
+        <p:nvSpPr>
+          <p:cNvPr id="2" name="Title 1"/>
+          <p:cNvSpPr>
+            <a:spLocks noGrp="1"/>
+          </p:cNvSpPr>
+          <p:nvPr>
+            <p:ph type="title"/>
+          </p:nvPr>
+        </p:nvSpPr>
+        <p:spPr/>
+        <p:txBody>
+          <a:bodyPr/>
+          <a:lstStyle/>
+          <a:p>
+            <a:pPr lvl="0" indent="0" marL="0">
+              <a:buNone/>
+            </a:pPr>
+            <a:r>
+              <a:rPr/>
+              <a:t>データ分析の論点: 因果性</a:t>
+            </a:r>
+          </a:p>
+        </p:txBody>
+      </p:sp>
+      <p:pic>
+        <p:nvPicPr>
+          <p:cNvPr descr="Slide01_files/figure-pptx/RichCausalRelation-1.png" id="0" name="Picture 1"/>
+          <p:cNvPicPr>
+            <a:picLocks noGrp="1" noChangeAspect="1"/>
+          </p:cNvPicPr>
+          <p:nvPr/>
+        </p:nvPicPr>
+        <p:blipFill>
+          <a:blip r:embed="rId2"/>
+          <a:stretch>
+            <a:fillRect/>
+          </a:stretch>
+        </p:blipFill>
+        <p:spPr bwMode="auto">
+          <a:xfrm>
+            <a:off x="1485900" y="1193800"/>
+            <a:ext cx="6172200" cy="3390900"/>
+          </a:xfrm>
+          <a:prstGeom prst="rect">
+            <a:avLst/>
+          </a:prstGeom>
+          <a:noFill/>
+          <a:ln w="9525">
+            <a:noFill/>
+            <a:headEnd/>
+            <a:tailEnd/>
+          </a:ln>
+        </p:spPr>
+      </p:pic>
+    </p:spTree>
+  </p:cSld>
+</p:sld>
+</file>
+
+<file path=ppt/slides/slide2.xml><?xml version="1.0" encoding="utf-8"?>
+<p:sld xmlns:a="http://schemas.openxmlformats.org/drawingml/2006/main" xmlns:r="http://schemas.openxmlformats.org/officeDocument/2006/relationships" xmlns:p="http://schemas.openxmlformats.org/presentationml/2006/main">
+  <p:cSld>
+    <p:spTree>
+      <p:nvGrpSpPr>
+        <p:cNvPr id="1" name=""/>
+        <p:cNvGrpSpPr/>
+        <p:nvPr/>
+      </p:nvGrpSpPr>
+      <p:grpSpPr>
+        <a:xfrm>
+          <a:off x="0" y="0"/>
+          <a:ext cx="0" cy="0"/>
+          <a:chOff x="0" y="0"/>
+          <a:chExt cx="0" cy="0"/>
+        </a:xfrm>
+      </p:grpSpPr>
+      <p:sp>
+        <p:nvSpPr>
+          <p:cNvPr id="2" name="Title 1"/>
+          <p:cNvSpPr>
+            <a:spLocks noGrp="1"/>
+          </p:cNvSpPr>
+          <p:nvPr>
+            <p:ph type="title"/>
+          </p:nvPr>
+        </p:nvSpPr>
+        <p:spPr/>
+        <p:txBody>
+          <a:bodyPr/>
+          <a:lstStyle/>
+          <a:p>
+            <a:pPr lvl="0" indent="0" marL="0">
+              <a:buNone/>
+            </a:pPr>
+            <a:r>
+              <a:rPr/>
+              <a:t>本講義の目的</a:t>
+            </a:r>
+          </a:p>
+        </p:txBody>
+      </p:sp>
+      <mc:AlternateContent xmlns:mc="http://schemas.openxmlformats.org/markup-compatibility/2006">
+        <mc:Choice xmlns:a14="http://schemas.microsoft.com/office/drawing/2010/main" Requires="a14">
+          <p:sp>
+            <p:nvSpPr>
+              <p:cNvPr id="3" name="Content Placeholder 2"/>
+              <p:cNvSpPr>
+                <a:spLocks noGrp="1"/>
+              </p:cNvSpPr>
+              <p:nvPr>
+                <p:ph idx="1"/>
+              </p:nvPr>
+            </p:nvSpPr>
+            <p:spPr/>
+            <p:txBody>
+              <a:bodyPr/>
+              <a:lstStyle/>
+              <a:p>
+                <a:pPr lvl="0"/>
+                <a:r>
+                  <a:rPr/>
+                  <a:t>末長く使える二つの技能の習得</a:t>
+                </a:r>
+              </a:p>
+              <a:p>
+                <a:pPr lvl="1"/>
+                <a:r>
+                  <a:rPr/>
+                  <a:t>労働経済学１で習得した理論 </a:t>
+                </a:r>
+                <a14:m>
+                  <m:oMath xmlns:m="http://schemas.openxmlformats.org/officeDocument/2006/math">
+                    <m:r>
+                      <m:rPr>
+                        <m:sty m:val="p"/>
+                      </m:rPr>
+                      <m:t>+</m:t>
+                    </m:r>
+                  </m:oMath>
+                </a14:m>
+                <a:r>
+                  <a:rPr/>
+                  <a:t> データから日本の労働市場を読み解く</a:t>
+                </a:r>
+              </a:p>
+              <a:p>
+                <a:pPr lvl="1"/>
+                <a:r>
+                  <a:rPr/>
+                  <a:t>データを適切に可視化する</a:t>
+                </a:r>
+              </a:p>
+              <a:p>
+                <a:pPr lvl="0"/>
+                <a:r>
+                  <a:rPr/>
+                  <a:t>講義資料: https://github.com/tetokawata/JapanLaborMarket</a:t>
+                </a:r>
+              </a:p>
+            </p:txBody>
+          </p:sp>
+        </mc:Choice>
+      </mc:AlternateContent>
+    </p:spTree>
+  </p:cSld>
+</p:sld>
+</file>
+
+<file path=ppt/slides/slide20.xml><?xml version="1.0" encoding="utf-8"?>
+<p:sld xmlns:a="http://schemas.openxmlformats.org/drawingml/2006/main" xmlns:r="http://schemas.openxmlformats.org/officeDocument/2006/relationships" xmlns:p="http://schemas.openxmlformats.org/presentationml/2006/main">
+  <p:cSld>
+    <p:spTree>
+      <p:nvGrpSpPr>
+        <p:cNvPr id="1" name=""/>
+        <p:cNvGrpSpPr/>
+        <p:nvPr/>
+      </p:nvGrpSpPr>
+      <p:grpSpPr>
+        <a:xfrm>
+          <a:off x="0" y="0"/>
+          <a:ext cx="0" cy="0"/>
+          <a:chOff x="0" y="0"/>
+          <a:chExt cx="0" cy="0"/>
+        </a:xfrm>
+      </p:grpSpPr>
+      <p:sp>
+        <p:nvSpPr>
+          <p:cNvPr id="2" name="Title 1"/>
+          <p:cNvSpPr>
+            <a:spLocks noGrp="1"/>
+          </p:cNvSpPr>
+          <p:nvPr>
+            <p:ph type="title"/>
+          </p:nvPr>
+        </p:nvSpPr>
+        <p:spPr/>
+        <p:txBody>
+          <a:bodyPr/>
+          <a:lstStyle/>
+          <a:p>
+            <a:pPr lvl="0" indent="0" marL="0">
+              <a:buNone/>
+            </a:pPr>
+            <a:r>
+              <a:rPr/>
+              <a:t>データ分析の論点</a:t>
+            </a:r>
+          </a:p>
+        </p:txBody>
+      </p:sp>
+      <p:sp>
+        <p:nvSpPr>
+          <p:cNvPr id="3" name="Content Placeholder 2"/>
+          <p:cNvSpPr>
+            <a:spLocks noGrp="1"/>
+          </p:cNvSpPr>
+          <p:nvPr>
+            <p:ph idx="1"/>
+          </p:nvPr>
+        </p:nvSpPr>
+        <p:spPr/>
+        <p:txBody>
+          <a:bodyPr/>
+          <a:lstStyle/>
+          <a:p>
+            <a:pPr lvl="0"/>
+            <a:r>
+              <a:rPr/>
+              <a:t>“全て”のデータは不完全</a:t>
+            </a:r>
+          </a:p>
+          <a:p>
+            <a:pPr lvl="1"/>
+            <a:r>
+              <a:rPr/>
+              <a:t>限られた事例、特徴しか観察できない</a:t>
+            </a:r>
+          </a:p>
+          <a:p>
+            <a:pPr lvl="1"/>
+            <a:r>
+              <a:rPr/>
+              <a:t>労働力調査は4万家計”のみ”調査</a:t>
+            </a:r>
+          </a:p>
+          <a:p>
+            <a:pPr lvl="1"/>
+            <a:r>
+              <a:rPr/>
+              <a:t>“観察できない要因が大きく偏る”リスクが常に存在</a:t>
+            </a:r>
+          </a:p>
+          <a:p>
+            <a:pPr lvl="0"/>
+            <a:r>
+              <a:rPr/>
+              <a:t>同じ研究課題について、同じ手法で、無数に独立した研究チームが取り組む</a:t>
+            </a:r>
+          </a:p>
+          <a:p>
+            <a:pPr lvl="1"/>
+            <a:r>
+              <a:rPr/>
+              <a:t>理想的には同じ結論が出てほしい (HardScience)</a:t>
+            </a:r>
+          </a:p>
+          <a:p>
+            <a:pPr lvl="1"/>
+            <a:r>
+              <a:rPr/>
+              <a:t>現実的には違う結論が出て来る</a:t>
+            </a:r>
+          </a:p>
+          <a:p>
+            <a:pPr lvl="2"/>
+            <a:r>
+              <a:rPr/>
+              <a:t>その中で何に合意できるか？ (SoftScience)</a:t>
+            </a:r>
+          </a:p>
+        </p:txBody>
+      </p:sp>
+    </p:spTree>
+  </p:cSld>
+</p:sld>
+</file>
+
+<file path=ppt/slides/slide21.xml><?xml version="1.0" encoding="utf-8"?>
+<p:sld xmlns:a="http://schemas.openxmlformats.org/drawingml/2006/main" xmlns:r="http://schemas.openxmlformats.org/officeDocument/2006/relationships" xmlns:p="http://schemas.openxmlformats.org/presentationml/2006/main">
+  <p:cSld>
+    <p:spTree>
+      <p:nvGrpSpPr>
+        <p:cNvPr id="1" name=""/>
+        <p:cNvGrpSpPr/>
+        <p:nvPr/>
+      </p:nvGrpSpPr>
+      <p:grpSpPr>
+        <a:xfrm>
+          <a:off x="0" y="0"/>
+          <a:ext cx="0" cy="0"/>
+          <a:chOff x="0" y="0"/>
+          <a:chExt cx="0" cy="0"/>
+        </a:xfrm>
+      </p:grpSpPr>
+      <p:sp>
+        <p:nvSpPr>
+          <p:cNvPr id="2" name="Title 1"/>
+          <p:cNvSpPr>
+            <a:spLocks noGrp="1"/>
+          </p:cNvSpPr>
+          <p:nvPr>
+            <p:ph type="title"/>
+          </p:nvPr>
+        </p:nvSpPr>
+        <p:spPr/>
+        <p:txBody>
+          <a:bodyPr/>
+          <a:lstStyle/>
+          <a:p>
+            <a:pPr lvl="0" indent="0" marL="0">
+              <a:buNone/>
+            </a:pPr>
+            <a:r>
+              <a:rPr/>
+              <a:t>例: 武蔵大学生の就業率</a:t>
+            </a:r>
+          </a:p>
+        </p:txBody>
+      </p:sp>
+      <p:sp>
+        <p:nvSpPr>
+          <p:cNvPr id="3" name="Content Placeholder 2"/>
+          <p:cNvSpPr>
+            <a:spLocks noGrp="1"/>
+          </p:cNvSpPr>
+          <p:nvPr>
+            <p:ph idx="1"/>
+          </p:nvPr>
+        </p:nvSpPr>
+        <p:spPr/>
+        <p:txBody>
+          <a:bodyPr/>
+          <a:lstStyle/>
+          <a:p>
+            <a:pPr lvl="0"/>
+            <a:r>
+              <a:rPr/>
+              <a:t>100名の研究者が、ランダムに選んだ学生10名を調査</a:t>
+            </a:r>
+          </a:p>
+          <a:p>
+            <a:pPr lvl="0"/>
+            <a:r>
+              <a:rPr/>
+              <a:t>就業率(バイトしている学生割合)を調べたい</a:t>
+            </a:r>
+          </a:p>
+          <a:p>
+            <a:pPr lvl="1"/>
+            <a:r>
+              <a:rPr/>
+              <a:t>調査結果(データ)内のアルバイト割合を使用</a:t>
+            </a:r>
+          </a:p>
+        </p:txBody>
+      </p:sp>
+    </p:spTree>
+  </p:cSld>
+</p:sld>
+</file>
+
+<file path=ppt/slides/slide22.xml><?xml version="1.0" encoding="utf-8"?>
+<p:sld xmlns:a="http://schemas.openxmlformats.org/drawingml/2006/main" xmlns:r="http://schemas.openxmlformats.org/officeDocument/2006/relationships" xmlns:p="http://schemas.openxmlformats.org/presentationml/2006/main">
+  <p:cSld>
+    <p:spTree>
+      <p:nvGrpSpPr>
+        <p:cNvPr id="1" name=""/>
+        <p:cNvGrpSpPr/>
+        <p:nvPr/>
+      </p:nvGrpSpPr>
+      <p:grpSpPr>
+        <a:xfrm>
+          <a:off x="0" y="0"/>
+          <a:ext cx="0" cy="0"/>
+          <a:chOff x="0" y="0"/>
+          <a:chExt cx="0" cy="0"/>
+        </a:xfrm>
+      </p:grpSpPr>
+      <p:sp>
+        <p:nvSpPr>
+          <p:cNvPr id="2" name="Title 1"/>
+          <p:cNvSpPr>
+            <a:spLocks noGrp="1"/>
+          </p:cNvSpPr>
+          <p:nvPr>
+            <p:ph type="title"/>
+          </p:nvPr>
+        </p:nvSpPr>
+        <p:spPr/>
+        <p:txBody>
+          <a:bodyPr/>
+          <a:lstStyle/>
+          <a:p>
+            <a:pPr lvl="0" indent="0" marL="0">
+              <a:buNone/>
+            </a:pPr>
+            <a:r>
+              <a:rPr/>
+              <a:t>例: 武蔵大学生の就業率</a:t>
+            </a:r>
+          </a:p>
+        </p:txBody>
+      </p:sp>
+      <p:pic>
+        <p:nvPicPr>
+          <p:cNvPr descr="Slide01_files/figure-pptx/Sim-1.png" id="0" name="Picture 1"/>
+          <p:cNvPicPr>
+            <a:picLocks noGrp="1" noChangeAspect="1"/>
+          </p:cNvPicPr>
+          <p:nvPr/>
+        </p:nvPicPr>
+        <p:blipFill>
+          <a:blip r:embed="rId2"/>
+          <a:stretch>
+            <a:fillRect/>
+          </a:stretch>
+        </p:blipFill>
+        <p:spPr bwMode="auto">
+          <a:xfrm>
+            <a:off x="1181100" y="1193800"/>
+            <a:ext cx="6781800" cy="3390900"/>
+          </a:xfrm>
+          <a:prstGeom prst="rect">
+            <a:avLst/>
+          </a:prstGeom>
+          <a:noFill/>
+          <a:ln w="9525">
+            <a:noFill/>
+            <a:headEnd/>
+            <a:tailEnd/>
+          </a:ln>
+        </p:spPr>
+      </p:pic>
+    </p:spTree>
+  </p:cSld>
+</p:sld>
+</file>
+
+<file path=ppt/slides/slide23.xml><?xml version="1.0" encoding="utf-8"?>
+<p:sld xmlns:a="http://schemas.openxmlformats.org/drawingml/2006/main" xmlns:r="http://schemas.openxmlformats.org/officeDocument/2006/relationships" xmlns:p="http://schemas.openxmlformats.org/presentationml/2006/main">
+  <p:cSld>
+    <p:spTree>
+      <p:nvGrpSpPr>
+        <p:cNvPr id="1" name=""/>
+        <p:cNvGrpSpPr/>
+        <p:nvPr/>
+      </p:nvGrpSpPr>
+      <p:grpSpPr>
+        <a:xfrm>
+          <a:off x="0" y="0"/>
+          <a:ext cx="0" cy="0"/>
+          <a:chOff x="0" y="0"/>
+          <a:chExt cx="0" cy="0"/>
+        </a:xfrm>
+      </p:grpSpPr>
+      <p:sp>
+        <p:nvSpPr>
+          <p:cNvPr id="2" name="Title 1"/>
+          <p:cNvSpPr>
+            <a:spLocks noGrp="1"/>
+          </p:cNvSpPr>
+          <p:nvPr>
+            <p:ph type="title"/>
+          </p:nvPr>
+        </p:nvSpPr>
+        <p:spPr/>
+        <p:txBody>
+          <a:bodyPr/>
+          <a:lstStyle/>
+          <a:p>
+            <a:pPr lvl="0" indent="0" marL="0">
+              <a:buNone/>
+            </a:pPr>
+            <a:r>
+              <a:rPr/>
+              <a:t>Open Source &amp; Code を用いたデータ分析</a:t>
+            </a:r>
+          </a:p>
+        </p:txBody>
+      </p:sp>
+      <mc:AlternateContent xmlns:mc="http://schemas.openxmlformats.org/markup-compatibility/2006">
+        <mc:Choice xmlns:a14="http://schemas.microsoft.com/office/drawing/2010/main" Requires="a14">
+          <p:sp>
+            <p:nvSpPr>
+              <p:cNvPr id="3" name="Content Placeholder 2"/>
+              <p:cNvSpPr>
+                <a:spLocks noGrp="1"/>
+              </p:cNvSpPr>
+              <p:nvPr>
+                <p:ph idx="1"/>
+              </p:nvPr>
+            </p:nvSpPr>
+            <p:spPr/>
+            <p:txBody>
+              <a:bodyPr/>
+              <a:lstStyle/>
+              <a:p>
+                <a:pPr lvl="0"/>
+                <a:r>
+                  <a:rPr/>
+                  <a:t>Open Source: 誰でも無料で使用でき、プログラムも公開されている</a:t>
+                </a:r>
+              </a:p>
+              <a:p>
+                <a:pPr lvl="1"/>
+                <a:r>
+                  <a:rPr/>
+                  <a:t>今日のデータ分析を支える最重要ツール</a:t>
+                </a:r>
+              </a:p>
+              <a:p>
+                <a:pPr lvl="0"/>
+                <a:r>
+                  <a:rPr/>
+                  <a:t>Code: </a:t>
+                </a:r>
+                <a14:m>
+                  <m:oMath xmlns:m="http://schemas.openxmlformats.org/officeDocument/2006/math">
+                    <m:r>
+                      <m:rPr>
+                        <m:sty m:val="p"/>
+                      </m:rPr>
+                      <m:t>≃</m:t>
+                    </m:r>
+                  </m:oMath>
+                </a14:m>
+                <a:r>
+                  <a:rPr/>
+                  <a:t> プログラム</a:t>
+                </a:r>
+              </a:p>
+              <a:p>
+                <a:pPr lvl="0"/>
+                <a:r>
+                  <a:rPr/>
+                  <a:t>研究者のみならず、企業や政府などの実務者においても重要拡大</a:t>
+                </a:r>
+              </a:p>
+            </p:txBody>
+          </p:sp>
+        </mc:Choice>
+      </mc:AlternateContent>
+    </p:spTree>
+  </p:cSld>
+</p:sld>
+</file>
+
+<file path=ppt/slides/slide24.xml><?xml version="1.0" encoding="utf-8"?>
+<p:sld xmlns:a="http://schemas.openxmlformats.org/drawingml/2006/main" xmlns:r="http://schemas.openxmlformats.org/officeDocument/2006/relationships" xmlns:p="http://schemas.openxmlformats.org/presentationml/2006/main">
+  <p:cSld>
+    <p:spTree>
+      <p:nvGrpSpPr>
+        <p:cNvPr id="1" name=""/>
+        <p:cNvGrpSpPr/>
+        <p:nvPr/>
+      </p:nvGrpSpPr>
+      <p:grpSpPr>
+        <a:xfrm>
+          <a:off x="0" y="0"/>
+          <a:ext cx="0" cy="0"/>
+          <a:chOff x="0" y="0"/>
+          <a:chExt cx="0" cy="0"/>
+        </a:xfrm>
+      </p:grpSpPr>
+      <p:sp>
+        <p:nvSpPr>
+          <p:cNvPr id="2" name="Title 1"/>
+          <p:cNvSpPr>
+            <a:spLocks noGrp="1"/>
+          </p:cNvSpPr>
+          <p:nvPr>
+            <p:ph type="title"/>
+          </p:nvPr>
+        </p:nvSpPr>
+        <p:spPr/>
+        <p:txBody>
+          <a:bodyPr/>
+          <a:lstStyle/>
+          <a:p>
+            <a:pPr lvl="0" indent="0" marL="0">
+              <a:buNone/>
+            </a:pPr>
+            <a:r>
+              <a:rPr/>
+              <a:t>ツールの進歩</a:t>
+            </a:r>
+          </a:p>
+        </p:txBody>
+      </p:sp>
+      <p:sp>
+        <p:nvSpPr>
+          <p:cNvPr id="3" name="Content Placeholder 2"/>
+          <p:cNvSpPr>
+            <a:spLocks noGrp="1"/>
+          </p:cNvSpPr>
+          <p:nvPr>
+            <p:ph idx="1"/>
+          </p:nvPr>
+        </p:nvSpPr>
+        <p:spPr/>
+        <p:txBody>
+          <a:bodyPr/>
+          <a:lstStyle/>
+          <a:p>
+            <a:pPr lvl="0"/>
+            <a:r>
+              <a:rPr/>
+              <a:t>オープンソースの分析言語(RやPythonなど）やその周辺開発環境は急速に発展</a:t>
+            </a:r>
+          </a:p>
+          <a:p>
+            <a:pPr lvl="1"/>
+            <a:r>
+              <a:rPr/>
+              <a:t>“再現可能性” の担保が主眼の一つ</a:t>
+            </a:r>
+          </a:p>
+          <a:p>
+            <a:pPr lvl="1"/>
+            <a:r>
+              <a:rPr/>
+              <a:t>Documentationの選択肢も拡大 (Dynamic documentation)</a:t>
+            </a:r>
+          </a:p>
+          <a:p>
+            <a:pPr lvl="0"/>
+            <a:r>
+              <a:rPr/>
+              <a:t>“Excel”を用いた分析の致命的欠点</a:t>
+            </a:r>
+          </a:p>
+          <a:p>
+            <a:pPr lvl="1"/>
+            <a:r>
+              <a:rPr/>
+              <a:t>作業ミスを事後的に発見できない</a:t>
+            </a:r>
+          </a:p>
+          <a:p>
+            <a:pPr lvl="1"/>
+            <a:r>
+              <a:rPr/>
+              <a:t>有料</a:t>
+            </a:r>
+          </a:p>
+        </p:txBody>
+      </p:sp>
+    </p:spTree>
+  </p:cSld>
+</p:sld>
+</file>
+
+<file path=ppt/slides/slide25.xml><?xml version="1.0" encoding="utf-8"?>
+<p:sld xmlns:a="http://schemas.openxmlformats.org/drawingml/2006/main" xmlns:r="http://schemas.openxmlformats.org/officeDocument/2006/relationships" xmlns:p="http://schemas.openxmlformats.org/presentationml/2006/main">
+  <p:cSld>
+    <p:spTree>
+      <p:nvGrpSpPr>
+        <p:cNvPr id="1" name=""/>
+        <p:cNvGrpSpPr/>
+        <p:nvPr/>
+      </p:nvGrpSpPr>
+      <p:grpSpPr>
+        <a:xfrm>
+          <a:off x="0" y="0"/>
+          <a:ext cx="0" cy="0"/>
+          <a:chOff x="0" y="0"/>
+          <a:chExt cx="0" cy="0"/>
+        </a:xfrm>
+      </p:grpSpPr>
+      <p:sp>
+        <p:nvSpPr>
+          <p:cNvPr id="2" name="Title 1"/>
+          <p:cNvSpPr>
+            <a:spLocks noGrp="1"/>
+          </p:cNvSpPr>
+          <p:nvPr>
+            <p:ph type="title"/>
+          </p:nvPr>
+        </p:nvSpPr>
+        <p:spPr/>
+        <p:txBody>
+          <a:bodyPr/>
+          <a:lstStyle/>
+          <a:p>
+            <a:pPr lvl="0" indent="0" marL="0">
+              <a:buNone/>
+            </a:pPr>
+            <a:r>
+              <a:rPr/>
+              <a:t>透明性確保に向けた要求: 分析言語</a:t>
+            </a:r>
+          </a:p>
+        </p:txBody>
+      </p:sp>
+      <p:sp>
+        <p:nvSpPr>
+          <p:cNvPr id="3" name="Content Placeholder 2"/>
+          <p:cNvSpPr>
+            <a:spLocks noGrp="1"/>
+          </p:cNvSpPr>
+          <p:nvPr>
+            <p:ph idx="1"/>
+          </p:nvPr>
+        </p:nvSpPr>
+        <p:spPr/>
+        <p:txBody>
+          <a:bodyPr/>
+          <a:lstStyle/>
+          <a:p>
+            <a:pPr lvl="0"/>
+            <a:r>
+              <a:rPr/>
+              <a:t>Open source</a:t>
+            </a:r>
+          </a:p>
+          <a:p>
+            <a:pPr lvl="0"/>
+            <a:r>
+              <a:rPr/>
+              <a:t>Code first</a:t>
+            </a:r>
+          </a:p>
+          <a:p>
+            <a:pPr lvl="0"/>
+            <a:r>
+              <a:rPr/>
+              <a:t>広いUser community</a:t>
+            </a:r>
+          </a:p>
+          <a:p>
+            <a:pPr lvl="1"/>
+            <a:r>
+              <a:rPr/>
+              <a:t>身近にいるかも大事！！！</a:t>
+            </a:r>
+          </a:p>
+          <a:p>
+            <a:pPr lvl="0"/>
+            <a:r>
+              <a:rPr/>
+              <a:t>Package等のバージョン管理・単純ミスの削減への支援</a:t>
+            </a:r>
+          </a:p>
+          <a:p>
+            <a:pPr lvl="1"/>
+            <a:r>
+              <a:rPr/>
+              <a:t>現状 Python と </a:t>
+            </a:r>
+            <a:r>
+              <a:rPr>
+                <a:hlinkClick r:id="rId2"/>
+              </a:rPr>
+              <a:t>R</a:t>
+            </a:r>
+            <a:r>
+              <a:rPr/>
+              <a:t> が人気選択肢</a:t>
+            </a:r>
+          </a:p>
+        </p:txBody>
+      </p:sp>
+    </p:spTree>
+  </p:cSld>
+</p:sld>
+</file>
+
+<file path=ppt/slides/slide26.xml><?xml version="1.0" encoding="utf-8"?>
+<p:sld xmlns:a="http://schemas.openxmlformats.org/drawingml/2006/main" xmlns:r="http://schemas.openxmlformats.org/officeDocument/2006/relationships" xmlns:p="http://schemas.openxmlformats.org/presentationml/2006/main">
+  <p:cSld>
+    <p:spTree>
+      <p:nvGrpSpPr>
+        <p:cNvPr id="1" name=""/>
+        <p:cNvGrpSpPr/>
+        <p:nvPr/>
+      </p:nvGrpSpPr>
+      <p:grpSpPr>
+        <a:xfrm>
+          <a:off x="0" y="0"/>
+          <a:ext cx="0" cy="0"/>
+          <a:chOff x="0" y="0"/>
+          <a:chExt cx="0" cy="0"/>
+        </a:xfrm>
+      </p:grpSpPr>
+      <p:sp>
+        <p:nvSpPr>
+          <p:cNvPr id="2" name="Title 1"/>
+          <p:cNvSpPr>
+            <a:spLocks noGrp="1"/>
+          </p:cNvSpPr>
+          <p:nvPr>
+            <p:ph type="title"/>
+          </p:nvPr>
+        </p:nvSpPr>
+        <p:spPr/>
+        <p:txBody>
+          <a:bodyPr/>
+          <a:lstStyle/>
+          <a:p>
+            <a:pPr lvl="0" indent="0" marL="0">
+              <a:buNone/>
+            </a:pPr>
+            <a:r>
+              <a:rPr/>
+              <a:t>認知負荷の軽減</a:t>
+            </a:r>
+          </a:p>
+        </p:txBody>
+      </p:sp>
+      <p:sp>
+        <p:nvSpPr>
+          <p:cNvPr id="3" name="Content Placeholder 2"/>
+          <p:cNvSpPr>
+            <a:spLocks noGrp="1"/>
+          </p:cNvSpPr>
+          <p:nvPr>
+            <p:ph idx="1"/>
+          </p:nvPr>
+        </p:nvSpPr>
+        <p:spPr/>
+        <p:txBody>
+          <a:bodyPr/>
+          <a:lstStyle/>
+          <a:p>
+            <a:pPr lvl="0"/>
+            <a:r>
+              <a:rPr/>
+              <a:t>人間はいろんなことを忘れ、ミスを犯し、見逃す</a:t>
+            </a:r>
+          </a:p>
+          <a:p>
+            <a:pPr lvl="0"/>
+            <a:r>
+              <a:rPr/>
+              <a:t>伝統的なデータ分析は、複数のファイルを跨った作業を要求する: 分析コード + Word | Tex + 図表</a:t>
+            </a:r>
+          </a:p>
+          <a:p>
+            <a:pPr lvl="1"/>
+            <a:r>
+              <a:rPr/>
+              <a:t>うっかりミスの源泉</a:t>
+            </a:r>
+          </a:p>
+          <a:p>
+            <a:pPr lvl="1"/>
+            <a:r>
+              <a:rPr/>
+              <a:t>Excelではミスを事後的に発見することも難しい</a:t>
+            </a:r>
+          </a:p>
+          <a:p>
+            <a:pPr lvl="0"/>
+            <a:r>
+              <a:rPr/>
+              <a:t>Dynamic documentation: </a:t>
+            </a:r>
+            <a:r>
+              <a:rPr b="1"/>
+              <a:t>一つのファイル</a:t>
+            </a:r>
+            <a:r>
+              <a:rPr/>
+              <a:t>に全てを分かりやすく記述する</a:t>
+            </a:r>
+          </a:p>
+          <a:p>
+            <a:pPr lvl="1"/>
+            <a:r>
+              <a:rPr/>
+              <a:t>複数の形式(HTML, Word, PowerPoints, PDF 等)で出力でき、コミュニケーションも容易</a:t>
+            </a:r>
+          </a:p>
+        </p:txBody>
+      </p:sp>
+    </p:spTree>
+  </p:cSld>
+</p:sld>
+</file>
+
+<file path=ppt/slides/slide27.xml><?xml version="1.0" encoding="utf-8"?>
+<p:sld xmlns:a="http://schemas.openxmlformats.org/drawingml/2006/main" xmlns:r="http://schemas.openxmlformats.org/officeDocument/2006/relationships" xmlns:p="http://schemas.openxmlformats.org/presentationml/2006/main">
+  <p:cSld>
+    <p:spTree>
+      <p:nvGrpSpPr>
+        <p:cNvPr id="1" name=""/>
+        <p:cNvGrpSpPr/>
+        <p:nvPr/>
+      </p:nvGrpSpPr>
+      <p:grpSpPr>
+        <a:xfrm>
+          <a:off x="0" y="0"/>
+          <a:ext cx="0" cy="0"/>
+          <a:chOff x="0" y="0"/>
+          <a:chExt cx="0" cy="0"/>
+        </a:xfrm>
+      </p:grpSpPr>
+      <p:sp>
+        <p:nvSpPr>
+          <p:cNvPr id="2" name="Title 1"/>
+          <p:cNvSpPr>
+            <a:spLocks noGrp="1"/>
+          </p:cNvSpPr>
+          <p:nvPr>
+            <p:ph type="title"/>
+          </p:nvPr>
+        </p:nvSpPr>
+        <p:spPr/>
+        <p:txBody>
+          <a:bodyPr/>
+          <a:lstStyle/>
+          <a:p>
+            <a:pPr lvl="0" indent="0" marL="0">
+              <a:buNone/>
+            </a:pPr>
+            <a:r>
+              <a:rPr/>
+              <a:t>Rstudio</a:t>
+            </a:r>
+          </a:p>
+        </p:txBody>
+      </p:sp>
+      <p:sp>
+        <p:nvSpPr>
+          <p:cNvPr id="3" name="Content Placeholder 2"/>
+          <p:cNvSpPr>
+            <a:spLocks noGrp="1"/>
+          </p:cNvSpPr>
+          <p:nvPr>
+            <p:ph idx="1"/>
+          </p:nvPr>
+        </p:nvSpPr>
+        <p:spPr/>
+        <p:txBody>
+          <a:bodyPr/>
+          <a:lstStyle/>
+          <a:p>
+            <a:pPr lvl="0"/>
+            <a:r>
+              <a:rPr/>
+              <a:t>現</a:t>
+            </a:r>
+            <a:r>
+              <a:rPr>
+                <a:hlinkClick r:id="rId2"/>
+              </a:rPr>
+              <a:t>Rstudio社</a:t>
+            </a:r>
+            <a:r>
+              <a:rPr/>
+              <a:t>(10月から</a:t>
+            </a:r>
+            <a:r>
+              <a:rPr>
+                <a:hlinkClick r:id="rId3"/>
+              </a:rPr>
+              <a:t>Posit社</a:t>
+            </a:r>
+            <a:r>
+              <a:rPr/>
+              <a:t>に改名)が提供するサービス</a:t>
+            </a:r>
+          </a:p>
+          <a:p>
+            <a:pPr lvl="0"/>
+            <a:r>
+              <a:rPr/>
+              <a:t>Rstudio: R・Python向けの統合開発環境 (IDE)</a:t>
+            </a:r>
+          </a:p>
+          <a:p>
+            <a:pPr lvl="1"/>
+            <a:r>
+              <a:rPr/>
+              <a:t>コーディングの効率化 + 再現可能性確保に有効</a:t>
+            </a:r>
+          </a:p>
+        </p:txBody>
+      </p:sp>
+    </p:spTree>
+  </p:cSld>
+</p:sld>
+</file>
+
+<file path=ppt/slides/slide28.xml><?xml version="1.0" encoding="utf-8"?>
+<p:sld xmlns:a="http://schemas.openxmlformats.org/drawingml/2006/main" xmlns:r="http://schemas.openxmlformats.org/officeDocument/2006/relationships" xmlns:p="http://schemas.openxmlformats.org/presentationml/2006/main">
+  <p:cSld>
+    <p:spTree>
+      <p:nvGrpSpPr>
+        <p:cNvPr id="1" name=""/>
+        <p:cNvGrpSpPr/>
+        <p:nvPr/>
+      </p:nvGrpSpPr>
+      <p:grpSpPr>
+        <a:xfrm>
+          <a:off x="0" y="0"/>
+          <a:ext cx="0" cy="0"/>
+          <a:chOff x="0" y="0"/>
+          <a:chExt cx="0" cy="0"/>
+        </a:xfrm>
+      </p:grpSpPr>
+      <p:sp>
+        <p:nvSpPr>
+          <p:cNvPr id="2" name="Title 1"/>
+          <p:cNvSpPr>
+            <a:spLocks noGrp="1"/>
+          </p:cNvSpPr>
+          <p:nvPr>
+            <p:ph type="title"/>
+          </p:nvPr>
+        </p:nvSpPr>
+        <p:spPr/>
+        <p:txBody>
+          <a:bodyPr/>
+          <a:lstStyle/>
+          <a:p>
+            <a:pPr lvl="0" indent="0" marL="0">
+              <a:buNone/>
+            </a:pPr>
+            <a:r>
+              <a:rPr/>
+              <a:t>参考動画</a:t>
+            </a:r>
+          </a:p>
+        </p:txBody>
+      </p:sp>
+      <p:sp>
+        <p:nvSpPr>
+          <p:cNvPr id="3" name="Content Placeholder 2"/>
+          <p:cNvSpPr>
+            <a:spLocks noGrp="1"/>
+          </p:cNvSpPr>
+          <p:nvPr>
+            <p:ph idx="1"/>
+          </p:nvPr>
+        </p:nvSpPr>
+        <p:spPr/>
+        <p:txBody>
+          <a:bodyPr/>
+          <a:lstStyle/>
+          <a:p>
+            <a:pPr lvl="0"/>
+            <a:r>
+              <a:rPr b="1"/>
+              <a:t>RとRStudioのインストール</a:t>
+            </a:r>
+            <a:r>
+              <a:rPr/>
+              <a:t> </a:t>
+            </a:r>
+            <a:r>
+              <a:rPr>
+                <a:hlinkClick r:id="rId2"/>
+              </a:rPr>
+              <a:t>動画</a:t>
+            </a:r>
+          </a:p>
+          <a:p>
+            <a:pPr lvl="0"/>
+            <a:r>
+              <a:rPr/>
+              <a:t>パッケージのインストール </a:t>
+            </a:r>
+            <a:r>
+              <a:rPr>
+                <a:hlinkClick r:id="rId3"/>
+              </a:rPr>
+              <a:t>動画</a:t>
+            </a:r>
+          </a:p>
+          <a:p>
+            <a:pPr lvl="1"/>
+            <a:r>
+              <a:rPr/>
+              <a:t>必要パッケージ: tidyverse, cobalt, estimatr, dotwhisker, MatchIt</a:t>
+            </a:r>
+          </a:p>
+          <a:p>
+            <a:pPr lvl="0"/>
+            <a:r>
+              <a:rPr/>
+              <a:t>プロジェクトフォルダーの作成 </a:t>
+            </a:r>
+            <a:r>
+              <a:rPr>
+                <a:hlinkClick r:id="rId4"/>
+              </a:rPr>
+              <a:t>動画</a:t>
+            </a:r>
+          </a:p>
+          <a:p>
+            <a:pPr lvl="0"/>
+            <a:r>
+              <a:rPr/>
+              <a:t>データの取り込み </a:t>
+            </a:r>
+            <a:r>
+              <a:rPr>
+                <a:hlinkClick r:id="rId5"/>
+              </a:rPr>
+              <a:t>動画</a:t>
+            </a:r>
+          </a:p>
+          <a:p>
+            <a:pPr lvl="0"/>
+            <a:r>
+              <a:rPr/>
+              <a:t>Quartoの動作確認 </a:t>
+            </a:r>
+            <a:r>
+              <a:rPr>
+                <a:hlinkClick r:id="rId6"/>
+              </a:rPr>
+              <a:t>動画</a:t>
+            </a:r>
+          </a:p>
+          <a:p>
+            <a:pPr lvl="0"/>
+            <a:r>
+              <a:rPr/>
+              <a:t>Rcloudへの登録 </a:t>
+            </a:r>
+            <a:r>
+              <a:rPr>
+                <a:hlinkClick r:id="rId7"/>
+              </a:rPr>
+              <a:t>動画</a:t>
+            </a:r>
+          </a:p>
+          <a:p>
+            <a:pPr lvl="1"/>
+            <a:r>
+              <a:rPr/>
+              <a:t>注意: 動画は全て限定公開であり、YouTubeで直接検索してもヒットしません</a:t>
+            </a:r>
+          </a:p>
+        </p:txBody>
+      </p:sp>
+    </p:spTree>
+  </p:cSld>
+</p:sld>
+</file>
+
+<file path=ppt/slides/slide29.xml><?xml version="1.0" encoding="utf-8"?>
+<p:sld xmlns:a="http://schemas.openxmlformats.org/drawingml/2006/main" xmlns:r="http://schemas.openxmlformats.org/officeDocument/2006/relationships" xmlns:p="http://schemas.openxmlformats.org/presentationml/2006/main">
+  <p:cSld>
+    <p:spTree>
+      <p:nvGrpSpPr>
+        <p:cNvPr id="1" name=""/>
+        <p:cNvGrpSpPr/>
+        <p:nvPr/>
+      </p:nvGrpSpPr>
+      <p:grpSpPr>
+        <a:xfrm>
+          <a:off x="0" y="0"/>
+          <a:ext cx="0" cy="0"/>
+          <a:chOff x="0" y="0"/>
+          <a:chExt cx="0" cy="0"/>
+        </a:xfrm>
+      </p:grpSpPr>
+      <p:sp>
+        <p:nvSpPr>
+          <p:cNvPr id="2" name="Title 1"/>
+          <p:cNvSpPr>
+            <a:spLocks noGrp="1"/>
+          </p:cNvSpPr>
+          <p:nvPr>
+            <p:ph type="title"/>
+          </p:nvPr>
+        </p:nvSpPr>
+        <p:spPr/>
+        <p:txBody>
+          <a:bodyPr/>
+          <a:lstStyle/>
+          <a:p>
+            <a:pPr lvl="0" indent="0" marL="0">
+              <a:buNone/>
+            </a:pPr>
+            <a:r>
+              <a:rPr/>
+              <a:t>Quarto</a:t>
+            </a:r>
+          </a:p>
+        </p:txBody>
+      </p:sp>
+      <p:sp>
+        <p:nvSpPr>
+          <p:cNvPr id="3" name="Content Placeholder 2"/>
+          <p:cNvSpPr>
+            <a:spLocks noGrp="1"/>
+          </p:cNvSpPr>
+          <p:nvPr>
+            <p:ph idx="1"/>
+          </p:nvPr>
+        </p:nvSpPr>
+        <p:spPr/>
+        <p:txBody>
+          <a:bodyPr/>
+          <a:lstStyle/>
+          <a:p>
+            <a:pPr lvl="0"/>
+            <a:r>
+              <a:rPr>
+                <a:hlinkClick r:id="rId2"/>
+              </a:rPr>
+              <a:t>Quarto</a:t>
+            </a:r>
+            <a:r>
+              <a:rPr/>
+              <a:t>: R | Python | Julia 向けのDynamic Documentation</a:t>
+            </a:r>
+          </a:p>
+          <a:p>
+            <a:pPr lvl="1"/>
+            <a:r>
+              <a:rPr/>
+              <a:t>R向けDynamic Documentation </a:t>
+            </a:r>
+            <a:r>
+              <a:rPr b="1"/>
+              <a:t>Rmarkdown</a:t>
+            </a:r>
+            <a:r>
+              <a:rPr/>
+              <a:t> の後継</a:t>
+            </a:r>
+          </a:p>
+          <a:p>
+            <a:pPr lvl="1"/>
+            <a:r>
+              <a:rPr/>
+              <a:t>他のIDE (Jupter notebookやVS Code) でも使用可能</a:t>
+            </a:r>
+          </a:p>
+          <a:p>
+            <a:pPr lvl="1"/>
+            <a:r>
+              <a:rPr/>
+              <a:t>一つのソースファイルから、HTML, PDFやPowerPointなどで出力可能</a:t>
+            </a:r>
+          </a:p>
+        </p:txBody>
+      </p:sp>
+    </p:spTree>
+  </p:cSld>
+</p:sld>
+</file>
+
+<file path=ppt/slides/slide3.xml><?xml version="1.0" encoding="utf-8"?>
+<p:sld xmlns:a="http://schemas.openxmlformats.org/drawingml/2006/main" xmlns:r="http://schemas.openxmlformats.org/officeDocument/2006/relationships" xmlns:p="http://schemas.openxmlformats.org/presentationml/2006/main">
+  <p:cSld>
+    <p:spTree>
+      <p:nvGrpSpPr>
+        <p:cNvPr id="1" name=""/>
+        <p:cNvGrpSpPr/>
+        <p:nvPr/>
+      </p:nvGrpSpPr>
+      <p:grpSpPr>
+        <a:xfrm>
+          <a:off x="0" y="0"/>
+          <a:ext cx="0" cy="0"/>
+          <a:chOff x="0" y="0"/>
+          <a:chExt cx="0" cy="0"/>
+        </a:xfrm>
+      </p:grpSpPr>
+      <p:sp>
+        <p:nvSpPr>
+          <p:cNvPr id="2" name="Title 1"/>
+          <p:cNvSpPr>
+            <a:spLocks noGrp="1"/>
+          </p:cNvSpPr>
+          <p:nvPr>
+            <p:ph type="title"/>
+          </p:nvPr>
+        </p:nvSpPr>
+        <p:spPr/>
+        <p:txBody>
+          <a:bodyPr/>
+          <a:lstStyle/>
+          <a:p>
+            <a:pPr lvl="0" indent="0" marL="0">
+              <a:buNone/>
+            </a:pPr>
+            <a:r>
+              <a:rPr/>
+              <a:t>実習目標</a:t>
+            </a:r>
+          </a:p>
+        </p:txBody>
+      </p:sp>
+      <p:sp>
+        <p:nvSpPr>
+          <p:cNvPr id="3" name="Content Placeholder 2"/>
+          <p:cNvSpPr>
+            <a:spLocks noGrp="1"/>
+          </p:cNvSpPr>
+          <p:nvPr>
+            <p:ph idx="1"/>
+          </p:nvPr>
+        </p:nvSpPr>
+        <p:spPr/>
+        <p:txBody>
+          <a:bodyPr/>
+          <a:lstStyle/>
+          <a:p>
+            <a:pPr lvl="0"/>
+            <a:r>
+              <a:rPr/>
+              <a:t>統計ソフト（R）を用いた分析技術</a:t>
+            </a:r>
+          </a:p>
+          <a:p>
+            <a:pPr lvl="1"/>
+            <a:r>
+              <a:rPr/>
+              <a:t>統合開発環境 (Rstudio)を用いて効率的かつ信頼性の高い分析フロー</a:t>
+            </a:r>
+          </a:p>
+          <a:p>
+            <a:pPr lvl="1"/>
+            <a:r>
+              <a:rPr/>
+              <a:t>本講義では可視化 (Visualization) の方法を特に紹介</a:t>
+            </a:r>
+          </a:p>
+        </p:txBody>
+      </p:sp>
+    </p:spTree>
+  </p:cSld>
+</p:sld>
+</file>
+
+<file path=ppt/slides/slide30.xml><?xml version="1.0" encoding="utf-8"?>
+<p:sld xmlns:a="http://schemas.openxmlformats.org/drawingml/2006/main" xmlns:r="http://schemas.openxmlformats.org/officeDocument/2006/relationships" xmlns:p="http://schemas.openxmlformats.org/presentationml/2006/main">
+  <p:cSld>
+    <p:spTree>
+      <p:nvGrpSpPr>
+        <p:cNvPr id="1" name=""/>
+        <p:cNvGrpSpPr/>
+        <p:nvPr/>
+      </p:nvGrpSpPr>
+      <p:grpSpPr>
+        <a:xfrm>
+          <a:off x="0" y="0"/>
+          <a:ext cx="0" cy="0"/>
+          <a:chOff x="0" y="0"/>
+          <a:chExt cx="0" cy="0"/>
+        </a:xfrm>
+      </p:grpSpPr>
+      <p:sp>
+        <p:nvSpPr>
+          <p:cNvPr id="2" name="Title 1"/>
+          <p:cNvSpPr>
+            <a:spLocks noGrp="1"/>
+          </p:cNvSpPr>
+          <p:nvPr>
+            <p:ph type="title"/>
+          </p:nvPr>
+        </p:nvSpPr>
+        <p:spPr/>
+        <p:txBody>
+          <a:bodyPr/>
+          <a:lstStyle/>
+          <a:p>
+            <a:pPr lvl="0" indent="0" marL="0">
+              <a:buNone/>
+            </a:pPr>
+            <a:r>
+              <a:rPr/>
+              <a:t>イメージ</a:t>
+            </a:r>
+          </a:p>
+        </p:txBody>
+      </p:sp>
+      <p:pic>
+        <p:nvPicPr>
+          <p:cNvPr descr="Slide01_files/figure-pptx/unnamed-chunk-1-1.png" id="0" name="Picture 1"/>
+          <p:cNvPicPr>
+            <a:picLocks noGrp="1" noChangeAspect="1"/>
+          </p:cNvPicPr>
+          <p:nvPr/>
+        </p:nvPicPr>
+        <p:blipFill>
+          <a:blip r:embed="rId2"/>
+          <a:stretch>
+            <a:fillRect/>
+          </a:stretch>
+        </p:blipFill>
+        <p:spPr bwMode="auto">
+          <a:xfrm>
+            <a:off x="1485900" y="1193800"/>
+            <a:ext cx="6172200" cy="3390900"/>
+          </a:xfrm>
+          <a:prstGeom prst="rect">
+            <a:avLst/>
+          </a:prstGeom>
+          <a:noFill/>
+          <a:ln w="9525">
+            <a:noFill/>
+            <a:headEnd/>
+            <a:tailEnd/>
+          </a:ln>
+        </p:spPr>
+      </p:pic>
+    </p:spTree>
+  </p:cSld>
+</p:sld>
+</file>
+
+<file path=ppt/slides/slide31.xml><?xml version="1.0" encoding="utf-8"?>
+<p:sld xmlns:a="http://schemas.openxmlformats.org/drawingml/2006/main" xmlns:r="http://schemas.openxmlformats.org/officeDocument/2006/relationships" xmlns:p="http://schemas.openxmlformats.org/presentationml/2006/main">
+  <p:cSld>
+    <p:spTree>
+      <p:nvGrpSpPr>
+        <p:cNvPr id="1" name=""/>
+        <p:cNvGrpSpPr/>
+        <p:nvPr/>
+      </p:nvGrpSpPr>
+      <p:grpSpPr>
+        <a:xfrm>
+          <a:off x="0" y="0"/>
+          <a:ext cx="0" cy="0"/>
+          <a:chOff x="0" y="0"/>
+          <a:chExt cx="0" cy="0"/>
+        </a:xfrm>
+      </p:grpSpPr>
+      <p:sp>
+        <p:nvSpPr>
+          <p:cNvPr id="2" name="Title 1"/>
+          <p:cNvSpPr>
+            <a:spLocks noGrp="1"/>
+          </p:cNvSpPr>
+          <p:nvPr>
+            <p:ph type="title"/>
+          </p:nvPr>
+        </p:nvSpPr>
+        <p:spPr/>
+        <p:txBody>
+          <a:bodyPr/>
+          <a:lstStyle/>
+          <a:p>
+            <a:pPr lvl="0" indent="0" marL="0">
+              <a:buNone/>
+            </a:pPr>
+            <a:r>
+              <a:rPr/>
+              <a:t>おすすめ設定</a:t>
+            </a:r>
+          </a:p>
+        </p:txBody>
+      </p:sp>
+      <p:sp>
+        <p:nvSpPr>
+          <p:cNvPr id="3" name="Content Placeholder 2"/>
+          <p:cNvSpPr>
+            <a:spLocks noGrp="1"/>
+          </p:cNvSpPr>
+          <p:nvPr>
+            <p:ph idx="1"/>
+          </p:nvPr>
+        </p:nvSpPr>
+        <p:spPr/>
+        <p:txBody>
+          <a:bodyPr/>
+          <a:lstStyle/>
+          <a:p>
+            <a:pPr lvl="0"/>
+            <a:r>
+              <a:rPr/>
+              <a:t>Tools -&gt; Grobal options -&gt; Rmarkdown -&gt; Basic から、 “Show output inline…” のチェックを外す</a:t>
+            </a:r>
+          </a:p>
+          <a:p>
+            <a:pPr lvl="0"/>
+            <a:r>
+              <a:rPr/>
+              <a:t>Visual モードをSource モードに切り替える</a:t>
+            </a:r>
+          </a:p>
+          <a:p>
+            <a:pPr lvl="1"/>
+            <a:r>
+              <a:rPr/>
+              <a:t>現状では、多くの結果を表示すると挙動が遅くなることがあるため</a:t>
+            </a:r>
+          </a:p>
+        </p:txBody>
+      </p:sp>
+    </p:spTree>
+  </p:cSld>
+</p:sld>
+</file>
+
+<file path=ppt/slides/slide32.xml><?xml version="1.0" encoding="utf-8"?>
+<p:sld xmlns:a="http://schemas.openxmlformats.org/drawingml/2006/main" xmlns:r="http://schemas.openxmlformats.org/officeDocument/2006/relationships" xmlns:p="http://schemas.openxmlformats.org/presentationml/2006/main">
+  <p:cSld>
+    <p:spTree>
+      <p:nvGrpSpPr>
+        <p:cNvPr id="1" name=""/>
+        <p:cNvGrpSpPr/>
+        <p:nvPr/>
+      </p:nvGrpSpPr>
+      <p:grpSpPr>
+        <a:xfrm>
+          <a:off x="0" y="0"/>
+          <a:ext cx="0" cy="0"/>
+          <a:chOff x="0" y="0"/>
+          <a:chExt cx="0" cy="0"/>
+        </a:xfrm>
+      </p:grpSpPr>
+      <p:sp>
+        <p:nvSpPr>
+          <p:cNvPr id="2" name="Title 1"/>
+          <p:cNvSpPr>
+            <a:spLocks noGrp="1"/>
+          </p:cNvSpPr>
+          <p:nvPr>
+            <p:ph type="title"/>
+          </p:nvPr>
+        </p:nvSpPr>
+        <p:spPr/>
+        <p:txBody>
+          <a:bodyPr/>
+          <a:lstStyle/>
+          <a:p>
+            <a:pPr lvl="0" indent="0" marL="0">
+              <a:buNone/>
+            </a:pPr>
+            <a:r>
+              <a:rPr/>
+              <a:t>コーディングのロードマップ</a:t>
+            </a:r>
+          </a:p>
+        </p:txBody>
+      </p:sp>
+      <p:pic>
+        <p:nvPicPr>
+          <p:cNvPr descr="Slide01_files/figure-pptx/WorkFlow-1.png" id="0" name="Picture 1"/>
+          <p:cNvPicPr>
+            <a:picLocks noGrp="1" noChangeAspect="1"/>
+          </p:cNvPicPr>
+          <p:nvPr/>
+        </p:nvPicPr>
+        <p:blipFill>
+          <a:blip r:embed="rId2"/>
+          <a:stretch>
+            <a:fillRect/>
+          </a:stretch>
+        </p:blipFill>
+        <p:spPr bwMode="auto">
+          <a:xfrm>
+            <a:off x="1485900" y="1193800"/>
+            <a:ext cx="6172200" cy="3390900"/>
+          </a:xfrm>
+          <a:prstGeom prst="rect">
+            <a:avLst/>
+          </a:prstGeom>
+          <a:noFill/>
+          <a:ln w="9525">
+            <a:noFill/>
+            <a:headEnd/>
+            <a:tailEnd/>
+          </a:ln>
+        </p:spPr>
+      </p:pic>
+    </p:spTree>
+  </p:cSld>
+</p:sld>
+</file>
+
+<file path=ppt/slides/slide33.xml><?xml version="1.0" encoding="utf-8"?>
+<p:sld xmlns:a="http://schemas.openxmlformats.org/drawingml/2006/main" xmlns:r="http://schemas.openxmlformats.org/officeDocument/2006/relationships" xmlns:p="http://schemas.openxmlformats.org/presentationml/2006/main">
+  <p:cSld>
+    <p:spTree>
+      <p:nvGrpSpPr>
+        <p:cNvPr id="1" name=""/>
+        <p:cNvGrpSpPr/>
+        <p:nvPr/>
+      </p:nvGrpSpPr>
+      <p:grpSpPr>
+        <a:xfrm>
+          <a:off x="0" y="0"/>
+          <a:ext cx="0" cy="0"/>
+          <a:chOff x="0" y="0"/>
+          <a:chExt cx="0" cy="0"/>
+        </a:xfrm>
+      </p:grpSpPr>
+      <p:sp>
+        <p:nvSpPr>
+          <p:cNvPr id="2" name="Title 1"/>
+          <p:cNvSpPr>
+            <a:spLocks noGrp="1"/>
+          </p:cNvSpPr>
+          <p:nvPr>
+            <p:ph type="title"/>
+          </p:nvPr>
+        </p:nvSpPr>
+        <p:spPr/>
+        <p:txBody>
+          <a:bodyPr/>
+          <a:lstStyle/>
+          <a:p>
+            <a:pPr lvl="0" indent="0" marL="0">
+              <a:buNone/>
+            </a:pPr>
+            <a:r>
+              <a:rPr/>
+              <a:t>Project folder</a:t>
+            </a:r>
+          </a:p>
+        </p:txBody>
+      </p:sp>
+      <p:sp>
+        <p:nvSpPr>
+          <p:cNvPr id="3" name="Content Placeholder 2"/>
+          <p:cNvSpPr>
+            <a:spLocks noGrp="1"/>
+          </p:cNvSpPr>
+          <p:nvPr>
+            <p:ph idx="1"/>
+          </p:nvPr>
+        </p:nvSpPr>
+        <p:spPr/>
+        <p:txBody>
+          <a:bodyPr/>
+          <a:lstStyle/>
+          <a:p>
+            <a:pPr lvl="0"/>
+            <a:r>
+              <a:rPr/>
+              <a:t>Passが接続されるfolder</a:t>
+            </a:r>
+          </a:p>
+          <a:p>
+            <a:pPr lvl="0"/>
+            <a:r>
+              <a:rPr/>
+              <a:t>分析に用いるデータ、コード、成果物(図やデータ)を保存</a:t>
+            </a:r>
+          </a:p>
+        </p:txBody>
+      </p:sp>
+    </p:spTree>
+  </p:cSld>
+</p:sld>
+</file>
+
+<file path=ppt/slides/slide34.xml><?xml version="1.0" encoding="utf-8"?>
+<p:sld xmlns:a="http://schemas.openxmlformats.org/drawingml/2006/main" xmlns:r="http://schemas.openxmlformats.org/officeDocument/2006/relationships" xmlns:p="http://schemas.openxmlformats.org/presentationml/2006/main">
+  <p:cSld>
+    <p:spTree>
+      <p:nvGrpSpPr>
+        <p:cNvPr id="1" name=""/>
+        <p:cNvGrpSpPr/>
+        <p:nvPr/>
+      </p:nvGrpSpPr>
+      <p:grpSpPr>
+        <a:xfrm>
+          <a:off x="0" y="0"/>
+          <a:ext cx="0" cy="0"/>
+          <a:chOff x="0" y="0"/>
+          <a:chExt cx="0" cy="0"/>
+        </a:xfrm>
+      </p:grpSpPr>
+      <p:sp>
+        <p:nvSpPr>
+          <p:cNvPr id="2" name="Title 1"/>
+          <p:cNvSpPr>
+            <a:spLocks noGrp="1"/>
+          </p:cNvSpPr>
+          <p:nvPr>
+            <p:ph type="title"/>
+          </p:nvPr>
+        </p:nvSpPr>
+        <p:spPr/>
+        <p:txBody>
+          <a:bodyPr/>
+          <a:lstStyle/>
+          <a:p>
+            <a:pPr lvl="0" indent="0" marL="0">
+              <a:buNone/>
+            </a:pPr>
+            <a:r>
+              <a:rPr/>
+              <a:t>Packages</a:t>
+            </a:r>
+          </a:p>
+        </p:txBody>
+      </p:sp>
+      <p:sp>
+        <p:nvSpPr>
+          <p:cNvPr id="3" name="Content Placeholder 2"/>
+          <p:cNvSpPr>
+            <a:spLocks noGrp="1"/>
+          </p:cNvSpPr>
+          <p:nvPr>
+            <p:ph idx="1"/>
+          </p:nvPr>
+        </p:nvSpPr>
+        <p:spPr/>
+        <p:txBody>
+          <a:bodyPr/>
+          <a:lstStyle/>
+          <a:p>
+            <a:pPr lvl="0"/>
+            <a:r>
+              <a:rPr/>
+              <a:t>“User”により作成された関数</a:t>
+            </a:r>
+          </a:p>
+          <a:p>
+            <a:pPr lvl="1"/>
+            <a:r>
+              <a:rPr/>
+              <a:t>著名なRepositryである </a:t>
+            </a:r>
+            <a:r>
+              <a:rPr>
+                <a:hlinkClick r:id="rId2"/>
+              </a:rPr>
+              <a:t>CRAN</a:t>
+            </a:r>
+            <a:r>
+              <a:rPr/>
+              <a:t> に掲載されているパッケージは、オンラインから容易にインストールできる</a:t>
+            </a:r>
+          </a:p>
+          <a:p>
+            <a:pPr lvl="1"/>
+            <a:r>
+              <a:rPr/>
+              <a:t>因果推論に関わるパッケージも豊富 (</a:t>
+            </a:r>
+            <a:r>
+              <a:rPr>
+                <a:hlinkClick r:id="rId3"/>
+              </a:rPr>
+              <a:t>TaskViews</a:t>
+            </a:r>
+            <a:r>
+              <a:rPr/>
+              <a:t>)</a:t>
+            </a:r>
+          </a:p>
+        </p:txBody>
+      </p:sp>
+    </p:spTree>
+  </p:cSld>
+</p:sld>
+</file>
+
+<file path=ppt/slides/slide35.xml><?xml version="1.0" encoding="utf-8"?>
+<p:sld xmlns:a="http://schemas.openxmlformats.org/drawingml/2006/main" xmlns:r="http://schemas.openxmlformats.org/officeDocument/2006/relationships" xmlns:p="http://schemas.openxmlformats.org/presentationml/2006/main">
+  <p:cSld>
+    <p:spTree>
+      <p:nvGrpSpPr>
+        <p:cNvPr id="1" name=""/>
+        <p:cNvGrpSpPr/>
+        <p:nvPr/>
+      </p:nvGrpSpPr>
+      <p:grpSpPr>
+        <a:xfrm>
+          <a:off x="0" y="0"/>
+          <a:ext cx="0" cy="0"/>
+          <a:chOff x="0" y="0"/>
+          <a:chExt cx="0" cy="0"/>
+        </a:xfrm>
+      </p:grpSpPr>
+      <p:sp>
+        <p:nvSpPr>
+          <p:cNvPr id="2" name="Title 1"/>
+          <p:cNvSpPr>
+            <a:spLocks noGrp="1"/>
+          </p:cNvSpPr>
+          <p:nvPr>
+            <p:ph type="title"/>
+          </p:nvPr>
+        </p:nvSpPr>
+        <p:spPr/>
+        <p:txBody>
+          <a:bodyPr/>
+          <a:lstStyle/>
+          <a:p>
+            <a:pPr lvl="0" indent="0" marL="0">
+              <a:buNone/>
+            </a:pPr>
+            <a:r>
+              <a:rPr/>
+              <a:t>推奨Packages</a:t>
+            </a:r>
+          </a:p>
+        </p:txBody>
+      </p:sp>
+      <mc:AlternateContent xmlns:mc="http://schemas.openxmlformats.org/markup-compatibility/2006">
+        <mc:Choice xmlns:a14="http://schemas.microsoft.com/office/drawing/2010/main" Requires="a14">
+          <p:sp>
+            <p:nvSpPr>
+              <p:cNvPr id="3" name="Content Placeholder 2"/>
+              <p:cNvSpPr>
+                <a:spLocks noGrp="1"/>
+              </p:cNvSpPr>
+              <p:nvPr>
+                <p:ph idx="1"/>
+              </p:nvPr>
+            </p:nvSpPr>
+            <p:spPr/>
+            <p:txBody>
+              <a:bodyPr/>
+              <a:lstStyle/>
+              <a:p>
+                <a:pPr lvl="0"/>
+                <a:r>
+                  <a:rPr/>
+                  <a:t>データ処理: </a:t>
+                </a:r>
+                <a:r>
+                  <a:rPr>
+                    <a:hlinkClick r:id="rId2"/>
+                  </a:rPr>
+                  <a:t>tidyverse</a:t>
+                </a:r>
+              </a:p>
+              <a:p>
+                <a:pPr lvl="0"/>
+                <a:r>
+                  <a:rPr/>
+                  <a:t>Dynamic Document: </a:t>
+                </a:r>
+                <a:r>
+                  <a:rPr>
+                    <a:hlinkClick r:id="rId3"/>
+                  </a:rPr>
+                  <a:t>quarto</a:t>
+                </a:r>
+              </a:p>
+              <a:p>
+                <a:pPr lvl="0"/>
+                <a:r>
+                  <a:rPr/>
+                  <a:t>Summary statics: </a:t>
+                </a:r>
+                <a:r>
+                  <a:rPr>
+                    <a:hlinkClick r:id="rId4"/>
+                  </a:rPr>
+                  <a:t>gtsummary</a:t>
+                </a:r>
+                <a:r>
+                  <a:rPr/>
+                  <a:t> </a:t>
+                </a:r>
+                <a14:m>
+                  <m:oMath xmlns:m="http://schemas.openxmlformats.org/officeDocument/2006/math">
+                    <m:r>
+                      <m:rPr>
+                        <m:sty m:val="p"/>
+                      </m:rPr>
+                      <m:t>+</m:t>
+                    </m:r>
+                  </m:oMath>
+                </a14:m>
+                <a:r>
+                  <a:rPr/>
+                  <a:t> </a:t>
+                </a:r>
+                <a:r>
+                  <a:rPr>
+                    <a:hlinkClick r:id="rId5"/>
+                  </a:rPr>
+                  <a:t>cobalt</a:t>
+                </a:r>
+              </a:p>
+            </p:txBody>
+          </p:sp>
+        </mc:Choice>
+      </mc:AlternateContent>
+    </p:spTree>
+  </p:cSld>
+</p:sld>
+</file>
+
+<file path=ppt/slides/slide36.xml><?xml version="1.0" encoding="utf-8"?>
+<p:sld xmlns:a="http://schemas.openxmlformats.org/drawingml/2006/main" xmlns:r="http://schemas.openxmlformats.org/officeDocument/2006/relationships" xmlns:p="http://schemas.openxmlformats.org/presentationml/2006/main">
+  <p:cSld>
+    <p:spTree>
+      <p:nvGrpSpPr>
+        <p:cNvPr id="1" name=""/>
+        <p:cNvGrpSpPr/>
+        <p:nvPr/>
+      </p:nvGrpSpPr>
+      <p:grpSpPr>
+        <a:xfrm>
+          <a:off x="0" y="0"/>
+          <a:ext cx="0" cy="0"/>
+          <a:chOff x="0" y="0"/>
+          <a:chExt cx="0" cy="0"/>
+        </a:xfrm>
+      </p:grpSpPr>
+      <p:sp>
+        <p:nvSpPr>
+          <p:cNvPr id="2" name="Title 1"/>
+          <p:cNvSpPr>
+            <a:spLocks noGrp="1"/>
+          </p:cNvSpPr>
+          <p:nvPr>
+            <p:ph type="title"/>
+          </p:nvPr>
+        </p:nvSpPr>
+        <p:spPr>
+          <a:xfrm>
+            <a:off x="457201" y="204787"/>
+            <a:ext cx="3008313" cy="871538"/>
+          </a:xfrm>
+        </p:spPr>
+        <p:txBody>
+          <a:bodyPr/>
+          <a:lstStyle/>
+          <a:p>
+            <a:pPr lvl="0" indent="0" marL="0">
+              <a:buNone/>
+            </a:pPr>
+            <a:r>
+              <a:rPr/>
+              <a:t>Rの基本文法</a:t>
+            </a:r>
+          </a:p>
+        </p:txBody>
+      </p:sp>
+      <p:sp>
+        <p:nvSpPr>
+          <p:cNvPr id="4" name="Text Placeholder 3"/>
+          <p:cNvSpPr>
+            <a:spLocks noGrp="1"/>
+          </p:cNvSpPr>
+          <p:nvPr>
+            <p:ph idx="2" sz="half" type="body"/>
+          </p:nvPr>
+        </p:nvSpPr>
+        <p:spPr/>
+        <p:txBody>
+          <a:bodyPr/>
+          <a:lstStyle/>
+          <a:p>
+            <a:pPr lvl="0"/>
+            <a:r>
+              <a:rPr b="1"/>
+              <a:t>入力</a:t>
+            </a:r>
+            <a:r>
+              <a:rPr/>
+              <a:t>を </a:t>
+            </a:r>
+            <a:r>
+              <a:rPr b="1"/>
+              <a:t>関数</a:t>
+            </a:r>
+            <a:r>
+              <a:rPr/>
+              <a:t> によって変換し、</a:t>
+            </a:r>
+            <a:r>
+              <a:rPr b="1"/>
+              <a:t>出力</a:t>
+            </a:r>
+            <a:r>
+              <a:rPr/>
+              <a:t>せよ</a:t>
+            </a:r>
+          </a:p>
+        </p:txBody>
+      </p:sp>
+      <p:pic>
+        <p:nvPicPr>
+          <p:cNvPr descr="Slide01_files/figure-pptx/unnamed-chunk-2-1.png" id="0" name="Picture 1"/>
+          <p:cNvPicPr>
+            <a:picLocks noGrp="1" noChangeAspect="1"/>
+          </p:cNvPicPr>
+          <p:nvPr/>
+        </p:nvPicPr>
+        <p:blipFill>
+          <a:blip r:embed="rId2"/>
+          <a:stretch>
+            <a:fillRect/>
+          </a:stretch>
+        </p:blipFill>
+        <p:spPr bwMode="auto">
+          <a:xfrm>
+            <a:off x="3568700" y="990600"/>
+            <a:ext cx="5105400" cy="2806700"/>
+          </a:xfrm>
+          <a:prstGeom prst="rect">
+            <a:avLst/>
+          </a:prstGeom>
+          <a:noFill/>
+          <a:ln w="9525">
+            <a:noFill/>
+            <a:headEnd/>
+            <a:tailEnd/>
+          </a:ln>
+        </p:spPr>
+      </p:pic>
+    </p:spTree>
+  </p:cSld>
+</p:sld>
+</file>
+
+<file path=ppt/slides/slide4.xml><?xml version="1.0" encoding="utf-8"?>
+<p:sld xmlns:a="http://schemas.openxmlformats.org/drawingml/2006/main" xmlns:r="http://schemas.openxmlformats.org/officeDocument/2006/relationships" xmlns:p="http://schemas.openxmlformats.org/presentationml/2006/main">
+  <p:cSld>
+    <p:spTree>
+      <p:nvGrpSpPr>
+        <p:cNvPr id="1" name=""/>
+        <p:cNvGrpSpPr/>
+        <p:nvPr/>
+      </p:nvGrpSpPr>
+      <p:grpSpPr>
+        <a:xfrm>
+          <a:off x="0" y="0"/>
+          <a:ext cx="0" cy="0"/>
+          <a:chOff x="0" y="0"/>
+          <a:chExt cx="0" cy="0"/>
+        </a:xfrm>
+      </p:grpSpPr>
+      <p:sp>
+        <p:nvSpPr>
+          <p:cNvPr id="2" name="Title 1"/>
+          <p:cNvSpPr>
+            <a:spLocks noGrp="1"/>
+          </p:cNvSpPr>
+          <p:nvPr>
+            <p:ph type="title"/>
+          </p:nvPr>
+        </p:nvSpPr>
+        <p:spPr/>
+        <p:txBody>
+          <a:bodyPr/>
+          <a:lstStyle/>
+          <a:p>
+            <a:pPr lvl="0" indent="0" marL="0">
+              <a:buNone/>
+            </a:pPr>
+            <a:r>
+              <a:rPr/>
+              <a:t>講義の進め方</a:t>
+            </a:r>
+          </a:p>
+        </p:txBody>
+      </p:sp>
+      <p:sp>
+        <p:nvSpPr>
+          <p:cNvPr id="3" name="Content Placeholder 2"/>
+          <p:cNvSpPr>
+            <a:spLocks noGrp="1"/>
+          </p:cNvSpPr>
+          <p:nvPr>
+            <p:ph idx="1"/>
+          </p:nvPr>
+        </p:nvSpPr>
+        <p:spPr/>
+        <p:txBody>
+          <a:bodyPr/>
+          <a:lstStyle/>
+          <a:p>
+            <a:pPr lvl="0"/>
+            <a:r>
+              <a:rPr/>
+              <a:t>講義スライド （教科書は使用しない）</a:t>
+            </a:r>
+          </a:p>
+          <a:p>
+            <a:pPr lvl="0"/>
+            <a:r>
+              <a:rPr/>
+              <a:t>講義スライドは、 Site上で配布する</a:t>
+            </a:r>
+          </a:p>
+        </p:txBody>
+      </p:sp>
+    </p:spTree>
+  </p:cSld>
+</p:sld>
+</file>
+
+<file path=ppt/slides/slide5.xml><?xml version="1.0" encoding="utf-8"?>
+<p:sld xmlns:a="http://schemas.openxmlformats.org/drawingml/2006/main" xmlns:r="http://schemas.openxmlformats.org/officeDocument/2006/relationships" xmlns:p="http://schemas.openxmlformats.org/presentationml/2006/main">
+  <p:cSld>
+    <p:spTree>
+      <p:nvGrpSpPr>
+        <p:cNvPr id="1" name=""/>
+        <p:cNvGrpSpPr/>
+        <p:nvPr/>
+      </p:nvGrpSpPr>
+      <p:grpSpPr>
+        <a:xfrm>
+          <a:off x="0" y="0"/>
+          <a:ext cx="0" cy="0"/>
+          <a:chOff x="0" y="0"/>
+          <a:chExt cx="0" cy="0"/>
+        </a:xfrm>
+      </p:grpSpPr>
+      <p:sp>
+        <p:nvSpPr>
+          <p:cNvPr id="2" name="Title 1"/>
+          <p:cNvSpPr>
+            <a:spLocks noGrp="1"/>
+          </p:cNvSpPr>
+          <p:nvPr>
+            <p:ph type="title"/>
+          </p:nvPr>
+        </p:nvSpPr>
+        <p:spPr/>
+        <p:txBody>
+          <a:bodyPr/>
+          <a:lstStyle/>
+          <a:p>
+            <a:pPr lvl="0" indent="0" marL="0">
+              <a:buNone/>
+            </a:pPr>
+            <a:r>
+              <a:rPr/>
+              <a:t>成績評価</a:t>
+            </a:r>
+          </a:p>
+        </p:txBody>
+      </p:sp>
+      <p:sp>
+        <p:nvSpPr>
+          <p:cNvPr id="3" name="Content Placeholder 2"/>
+          <p:cNvSpPr>
+            <a:spLocks noGrp="1"/>
+          </p:cNvSpPr>
+          <p:nvPr>
+            <p:ph idx="1"/>
+          </p:nvPr>
+        </p:nvSpPr>
+        <p:spPr/>
+        <p:txBody>
+          <a:bodyPr/>
+          <a:lstStyle/>
+          <a:p>
+            <a:pPr lvl="0"/>
+            <a:r>
+              <a:rPr/>
+              <a:t>レポートによって採点</a:t>
+            </a:r>
+          </a:p>
+          <a:p>
+            <a:pPr lvl="0"/>
+            <a:r>
+              <a:rPr/>
+              <a:t>基本的には、授業時間中に完成されること</a:t>
+            </a:r>
+          </a:p>
+        </p:txBody>
+      </p:sp>
+    </p:spTree>
+  </p:cSld>
+</p:sld>
+</file>
+
+<file path=ppt/slides/slide6.xml><?xml version="1.0" encoding="utf-8"?>
+<p:sld xmlns:a="http://schemas.openxmlformats.org/drawingml/2006/main" xmlns:r="http://schemas.openxmlformats.org/officeDocument/2006/relationships" xmlns:p="http://schemas.openxmlformats.org/presentationml/2006/main">
+  <p:cSld>
+    <p:spTree>
+      <p:nvGrpSpPr>
+        <p:cNvPr id="1" name=""/>
+        <p:cNvGrpSpPr/>
+        <p:nvPr/>
+      </p:nvGrpSpPr>
+      <p:grpSpPr>
+        <a:xfrm>
+          <a:off x="0" y="0"/>
+          <a:ext cx="0" cy="0"/>
+          <a:chOff x="0" y="0"/>
+          <a:chExt cx="0" cy="0"/>
+        </a:xfrm>
+      </p:grpSpPr>
+      <p:sp>
+        <p:nvSpPr>
+          <p:cNvPr id="2" name="Title 1"/>
+          <p:cNvSpPr>
+            <a:spLocks noGrp="1"/>
+          </p:cNvSpPr>
+          <p:nvPr>
+            <p:ph type="title"/>
+          </p:nvPr>
+        </p:nvSpPr>
+        <p:spPr/>
+        <p:txBody>
+          <a:bodyPr/>
+          <a:lstStyle/>
+          <a:p>
+            <a:pPr lvl="0" indent="0" marL="0">
+              <a:buNone/>
+            </a:pPr>
+            <a:r>
+              <a:rPr/>
+              <a:t>経済</a:t>
+            </a:r>
+          </a:p>
+        </p:txBody>
+      </p:sp>
+      <p:sp>
+        <p:nvSpPr>
+          <p:cNvPr id="3" name="Content Placeholder 2"/>
+          <p:cNvSpPr>
+            <a:spLocks noGrp="1"/>
+          </p:cNvSpPr>
+          <p:nvPr>
+            <p:ph idx="1"/>
+          </p:nvPr>
+        </p:nvSpPr>
+        <p:spPr/>
+        <p:txBody>
+          <a:bodyPr/>
+          <a:lstStyle/>
+          <a:p>
+            <a:pPr lvl="0"/>
+            <a:r>
+              <a:rPr/>
+              <a:t>“生産”と“分配”</a:t>
+            </a:r>
+          </a:p>
+          <a:p>
+            <a:pPr lvl="1"/>
+            <a:r>
+              <a:rPr/>
+              <a:t>“生産“：投入物を提供し、財やサービスを生産する</a:t>
+            </a:r>
+          </a:p>
+          <a:p>
+            <a:pPr lvl="1"/>
+            <a:r>
+              <a:rPr/>
+              <a:t>“分配”：生産物を社会の構成員で分け合う</a:t>
+            </a:r>
+          </a:p>
+          <a:p>
+            <a:pPr lvl="0"/>
+            <a:r>
+              <a:rPr/>
+              <a:t>決定するメカニズムは多数</a:t>
+            </a:r>
+          </a:p>
+          <a:p>
+            <a:pPr lvl="1"/>
+            <a:r>
+              <a:rPr/>
+              <a:t>市場、政府、家族、企業、村落共同体</a:t>
+            </a:r>
+          </a:p>
+        </p:txBody>
+      </p:sp>
+    </p:spTree>
+  </p:cSld>
+</p:sld>
+</file>
+
+<file path=ppt/slides/slide7.xml><?xml version="1.0" encoding="utf-8"?>
+<p:sld xmlns:a="http://schemas.openxmlformats.org/drawingml/2006/main" xmlns:r="http://schemas.openxmlformats.org/officeDocument/2006/relationships" xmlns:p="http://schemas.openxmlformats.org/presentationml/2006/main">
+  <p:cSld>
+    <p:spTree>
+      <p:nvGrpSpPr>
+        <p:cNvPr id="1" name=""/>
+        <p:cNvGrpSpPr/>
+        <p:nvPr/>
+      </p:nvGrpSpPr>
+      <p:grpSpPr>
+        <a:xfrm>
+          <a:off x="0" y="0"/>
+          <a:ext cx="0" cy="0"/>
+          <a:chOff x="0" y="0"/>
+          <a:chExt cx="0" cy="0"/>
+        </a:xfrm>
+      </p:grpSpPr>
+      <p:sp>
+        <p:nvSpPr>
+          <p:cNvPr id="2" name="Title 1"/>
+          <p:cNvSpPr>
+            <a:spLocks noGrp="1"/>
+          </p:cNvSpPr>
+          <p:nvPr>
+            <p:ph type="title"/>
+          </p:nvPr>
+        </p:nvSpPr>
+        <p:spPr/>
+        <p:txBody>
+          <a:bodyPr/>
+          <a:lstStyle/>
+          <a:p>
+            <a:pPr lvl="0" indent="0" marL="0">
+              <a:buNone/>
+            </a:pPr>
+            <a:r>
+              <a:rPr/>
+              <a:t>定義</a:t>
+            </a:r>
+          </a:p>
+        </p:txBody>
+      </p:sp>
+      <p:pic>
+        <p:nvPicPr>
+          <p:cNvPr descr="Slide01_files/figure-pptx/DefineEconomy-1.png" id="0" name="Picture 1"/>
+          <p:cNvPicPr>
+            <a:picLocks noGrp="1" noChangeAspect="1"/>
+          </p:cNvPicPr>
+          <p:nvPr/>
+        </p:nvPicPr>
+        <p:blipFill>
+          <a:blip r:embed="rId2"/>
+          <a:stretch>
+            <a:fillRect/>
+          </a:stretch>
+        </p:blipFill>
+        <p:spPr bwMode="auto">
+          <a:xfrm>
+            <a:off x="1485900" y="1193800"/>
+            <a:ext cx="6172200" cy="3390900"/>
+          </a:xfrm>
+          <a:prstGeom prst="rect">
+            <a:avLst/>
+          </a:prstGeom>
+          <a:noFill/>
+          <a:ln w="9525">
+            <a:noFill/>
+            <a:headEnd/>
+            <a:tailEnd/>
+          </a:ln>
+        </p:spPr>
+      </p:pic>
+    </p:spTree>
+  </p:cSld>
+</p:sld>
+</file>
+
+<file path=ppt/slides/slide8.xml><?xml version="1.0" encoding="utf-8"?>
+<p:sld xmlns:a="http://schemas.openxmlformats.org/drawingml/2006/main" xmlns:r="http://schemas.openxmlformats.org/officeDocument/2006/relationships" xmlns:p="http://schemas.openxmlformats.org/presentationml/2006/main">
+  <p:cSld>
+    <p:spTree>
+      <p:nvGrpSpPr>
+        <p:cNvPr id="1" name=""/>
+        <p:cNvGrpSpPr/>
+        <p:nvPr/>
+      </p:nvGrpSpPr>
+      <p:grpSpPr>
+        <a:xfrm>
+          <a:off x="0" y="0"/>
+          <a:ext cx="0" cy="0"/>
+          <a:chOff x="0" y="0"/>
+          <a:chExt cx="0" cy="0"/>
+        </a:xfrm>
+      </p:grpSpPr>
+      <p:sp>
+        <p:nvSpPr>
+          <p:cNvPr id="2" name="Title 1"/>
+          <p:cNvSpPr>
+            <a:spLocks noGrp="1"/>
+          </p:cNvSpPr>
+          <p:nvPr>
+            <p:ph type="title"/>
+          </p:nvPr>
+        </p:nvSpPr>
+        <p:spPr/>
+        <p:txBody>
+          <a:bodyPr/>
+          <a:lstStyle/>
+          <a:p>
+            <a:pPr lvl="0" indent="0" marL="0">
+              <a:buNone/>
+            </a:pPr>
+            <a:r>
+              <a:rPr/>
+              <a:t>労働市場</a:t>
+            </a:r>
+          </a:p>
+        </p:txBody>
+      </p:sp>
+      <p:sp>
+        <p:nvSpPr>
+          <p:cNvPr id="3" name="Content Placeholder 2"/>
+          <p:cNvSpPr>
+            <a:spLocks noGrp="1"/>
+          </p:cNvSpPr>
+          <p:nvPr>
+            <p:ph idx="1"/>
+          </p:nvPr>
+        </p:nvSpPr>
+        <p:spPr/>
+        <p:txBody>
+          <a:bodyPr/>
+          <a:lstStyle/>
+          <a:p>
+            <a:pPr lvl="0"/>
+            <a:r>
+              <a:rPr/>
+              <a:t>労働市場: 非常に重要な要素を決定</a:t>
+            </a:r>
+          </a:p>
+          <a:p>
+            <a:pPr lvl="1"/>
+            <a:r>
+              <a:rPr/>
+              <a:t>労働者の配分（どんな仕事、企業で働くか）</a:t>
+            </a:r>
+          </a:p>
+          <a:p>
+            <a:pPr lvl="1"/>
+            <a:r>
+              <a:rPr/>
+              <a:t>労働所得（賃金）を決定する</a:t>
+            </a:r>
+          </a:p>
+          <a:p>
+            <a:pPr lvl="0"/>
+            <a:r>
+              <a:rPr/>
+              <a:t>労働者は重要な生産要素</a:t>
+            </a:r>
+          </a:p>
+          <a:p>
+            <a:pPr lvl="1"/>
+            <a:r>
+              <a:rPr/>
+              <a:t>生産に大きな影響</a:t>
+            </a:r>
+          </a:p>
+          <a:p>
+            <a:pPr lvl="0"/>
+            <a:r>
+              <a:rPr/>
+              <a:t>多くの家計において、労働所得は家計の総所得の大きな割合を占める</a:t>
+            </a:r>
+          </a:p>
+          <a:p>
+            <a:pPr lvl="1"/>
+            <a:r>
+              <a:rPr/>
+              <a:t>分配に大きな影響</a:t>
+            </a:r>
+          </a:p>
+        </p:txBody>
+      </p:sp>
+    </p:spTree>
+  </p:cSld>
+</p:sld>
+</file>
+
+<file path=ppt/slides/slide9.xml><?xml version="1.0" encoding="utf-8"?>
+<p:sld xmlns:a="http://schemas.openxmlformats.org/drawingml/2006/main" xmlns:r="http://schemas.openxmlformats.org/officeDocument/2006/relationships" xmlns:p="http://schemas.openxmlformats.org/presentationml/2006/main">
+  <p:cSld>
+    <p:spTree>
+      <p:nvGrpSpPr>
+        <p:cNvPr id="1" name=""/>
+        <p:cNvGrpSpPr/>
+        <p:nvPr/>
+      </p:nvGrpSpPr>
+      <p:grpSpPr>
+        <a:xfrm>
+          <a:off x="0" y="0"/>
+          <a:ext cx="0" cy="0"/>
+          <a:chOff x="0" y="0"/>
+          <a:chExt cx="0" cy="0"/>
+        </a:xfrm>
+      </p:grpSpPr>
+      <p:sp>
+        <p:nvSpPr>
+          <p:cNvPr id="2" name="Title 1"/>
+          <p:cNvSpPr>
+            <a:spLocks noGrp="1"/>
+          </p:cNvSpPr>
+          <p:nvPr>
+            <p:ph type="title"/>
+          </p:nvPr>
+        </p:nvSpPr>
+        <p:spPr/>
+        <p:txBody>
+          <a:bodyPr/>
+          <a:lstStyle/>
+          <a:p>
+            <a:pPr lvl="0" indent="0" marL="0">
+              <a:buNone/>
+            </a:pPr>
+            <a:r>
+              <a:rPr/>
+              <a:t>基本統計</a:t>
+            </a:r>
+          </a:p>
+        </p:txBody>
+      </p:sp>
+      <p:sp>
+        <p:nvSpPr>
+          <p:cNvPr id="3" name="Content Placeholder 2"/>
+          <p:cNvSpPr>
+            <a:spLocks noGrp="1"/>
+          </p:cNvSpPr>
+          <p:nvPr>
+            <p:ph idx="1"/>
+          </p:nvPr>
+        </p:nvSpPr>
+        <p:spPr/>
+        <p:txBody>
+          <a:bodyPr/>
+          <a:lstStyle/>
+          <a:p>
+            <a:pPr lvl="0"/>
+            <a:r>
+              <a:rPr/>
+              <a:t>全ての”数字”は、定義に従って計算されている</a:t>
+            </a:r>
+          </a:p>
+          <a:p>
+            <a:pPr lvl="1"/>
+            <a:r>
+              <a:rPr/>
+              <a:t>字面から受ける印象とは”必ず”完全一致しない</a:t>
+            </a:r>
+          </a:p>
+          <a:p>
+            <a:pPr lvl="0"/>
+            <a:r>
+              <a:rPr/>
+              <a:t>誤認識の多くは、定義を確認していないことに起因する</a:t>
             </a:r>
           </a:p>
         </p:txBody>
